--- a/Soutenance-Java.pptx
+++ b/Soutenance-Java.pptx
@@ -5,10 +5,10 @@
     <p:sldMasterId id="2147483696" r:id="rId1"/>
   </p:sldMasterIdLst>
   <p:notesMasterIdLst>
-    <p:notesMasterId r:id="rId8"/>
+    <p:notesMasterId r:id="rId9"/>
   </p:notesMasterIdLst>
   <p:handoutMasterIdLst>
-    <p:handoutMasterId r:id="rId9"/>
+    <p:handoutMasterId r:id="rId10"/>
   </p:handoutMasterIdLst>
   <p:sldIdLst>
     <p:sldId id="256" r:id="rId2"/>
@@ -16,7 +16,8 @@
     <p:sldId id="257" r:id="rId4"/>
     <p:sldId id="258" r:id="rId5"/>
     <p:sldId id="259" r:id="rId6"/>
-    <p:sldId id="260" r:id="rId7"/>
+    <p:sldId id="262" r:id="rId7"/>
+    <p:sldId id="260" r:id="rId8"/>
   </p:sldIdLst>
   <p:sldSz cx="12192000" cy="6858000"/>
   <p:notesSz cx="6858000" cy="9144000"/>
@@ -115,6 +116,14 @@
       </a:defRPr>
     </a:lvl9pPr>
   </p:defaultTextStyle>
+  <p:extLst>
+    <p:ext uri="{EFAFB233-063F-42B5-8137-9DF3F51BA10A}">
+      <p15:sldGuideLst xmlns:p15="http://schemas.microsoft.com/office/powerpoint/2012/main"/>
+    </p:ext>
+    <p:ext uri="{2D200454-40CA-4A62-9FC3-DE9A4176ACB9}">
+      <p15:notesGuideLst xmlns:p15="http://schemas.microsoft.com/office/powerpoint/2012/main"/>
+    </p:ext>
+  </p:extLst>
 </p:presentation>
 </file>
 
@@ -1374,6 +1383,13 @@
         </dgm:presLayoutVars>
       </dgm:prSet>
       <dgm:spPr/>
+      <dgm:t>
+        <a:bodyPr/>
+        <a:lstStyle/>
+        <a:p>
+          <a:endParaRPr lang="fr-FR"/>
+        </a:p>
+      </dgm:t>
     </dgm:pt>
     <dgm:pt modelId="{90953F56-9220-4E2A-B760-A0D864E52DE4}" type="pres">
       <dgm:prSet presAssocID="{3348761F-E3FC-4A28-927F-9A8AB748D58E}" presName="root" presStyleCnt="0"/>
@@ -1386,10 +1402,24 @@
     <dgm:pt modelId="{E55C07FD-25CE-4582-8258-53AF093DBBF6}" type="pres">
       <dgm:prSet presAssocID="{3348761F-E3FC-4A28-927F-9A8AB748D58E}" presName="rootText" presStyleLbl="node1" presStyleIdx="0" presStyleCnt="4"/>
       <dgm:spPr/>
+      <dgm:t>
+        <a:bodyPr/>
+        <a:lstStyle/>
+        <a:p>
+          <a:endParaRPr lang="fr-FR"/>
+        </a:p>
+      </dgm:t>
     </dgm:pt>
     <dgm:pt modelId="{6A53550F-7D64-4A38-9518-9FACC3DF6FB9}" type="pres">
       <dgm:prSet presAssocID="{3348761F-E3FC-4A28-927F-9A8AB748D58E}" presName="rootConnector" presStyleLbl="node1" presStyleIdx="0" presStyleCnt="4"/>
       <dgm:spPr/>
+      <dgm:t>
+        <a:bodyPr/>
+        <a:lstStyle/>
+        <a:p>
+          <a:endParaRPr lang="fr-FR"/>
+        </a:p>
+      </dgm:t>
     </dgm:pt>
     <dgm:pt modelId="{CA3EC534-36AA-41D6-B8EB-D9A73230D39C}" type="pres">
       <dgm:prSet presAssocID="{3348761F-E3FC-4A28-927F-9A8AB748D58E}" presName="childShape" presStyleCnt="0"/>
@@ -1398,6 +1428,13 @@
     <dgm:pt modelId="{3FBBC030-A29D-41A0-AC8F-0C09BFE9BE53}" type="pres">
       <dgm:prSet presAssocID="{BBA4A019-0C11-4C37-A859-3105CAB2C046}" presName="Name13" presStyleLbl="parChTrans1D2" presStyleIdx="0" presStyleCnt="4"/>
       <dgm:spPr/>
+      <dgm:t>
+        <a:bodyPr/>
+        <a:lstStyle/>
+        <a:p>
+          <a:endParaRPr lang="fr-FR"/>
+        </a:p>
+      </dgm:t>
     </dgm:pt>
     <dgm:pt modelId="{3368953D-F239-4777-9ABC-9783DA239D61}" type="pres">
       <dgm:prSet presAssocID="{E9C88759-E5B3-4797-80DD-91FE56438A75}" presName="childText" presStyleLbl="bgAcc1" presStyleIdx="0" presStyleCnt="4">
@@ -1406,6 +1443,13 @@
         </dgm:presLayoutVars>
       </dgm:prSet>
       <dgm:spPr/>
+      <dgm:t>
+        <a:bodyPr/>
+        <a:lstStyle/>
+        <a:p>
+          <a:endParaRPr lang="fr-FR"/>
+        </a:p>
+      </dgm:t>
     </dgm:pt>
     <dgm:pt modelId="{AF568FE1-9B5A-45D1-AE28-057ACE348BE4}" type="pres">
       <dgm:prSet presAssocID="{D1614042-55CC-418E-9BB0-075E5AD1F5DD}" presName="root" presStyleCnt="0"/>
@@ -1418,10 +1462,24 @@
     <dgm:pt modelId="{DE5DEF89-E609-45CA-BD99-CBAAB97642A6}" type="pres">
       <dgm:prSet presAssocID="{D1614042-55CC-418E-9BB0-075E5AD1F5DD}" presName="rootText" presStyleLbl="node1" presStyleIdx="1" presStyleCnt="4"/>
       <dgm:spPr/>
+      <dgm:t>
+        <a:bodyPr/>
+        <a:lstStyle/>
+        <a:p>
+          <a:endParaRPr lang="fr-FR"/>
+        </a:p>
+      </dgm:t>
     </dgm:pt>
     <dgm:pt modelId="{8429794B-CAF0-4B18-A5A0-DB67F6785F03}" type="pres">
       <dgm:prSet presAssocID="{D1614042-55CC-418E-9BB0-075E5AD1F5DD}" presName="rootConnector" presStyleLbl="node1" presStyleIdx="1" presStyleCnt="4"/>
       <dgm:spPr/>
+      <dgm:t>
+        <a:bodyPr/>
+        <a:lstStyle/>
+        <a:p>
+          <a:endParaRPr lang="fr-FR"/>
+        </a:p>
+      </dgm:t>
     </dgm:pt>
     <dgm:pt modelId="{D23C2690-0F5B-4A0A-BDB6-129F49ACC896}" type="pres">
       <dgm:prSet presAssocID="{D1614042-55CC-418E-9BB0-075E5AD1F5DD}" presName="childShape" presStyleCnt="0"/>
@@ -1430,6 +1488,13 @@
     <dgm:pt modelId="{55AEC2EC-BEAE-417B-B91F-FAC170F28AFF}" type="pres">
       <dgm:prSet presAssocID="{5B23CA86-3D98-4B3F-82A9-B001E5BCC329}" presName="Name13" presStyleLbl="parChTrans1D2" presStyleIdx="1" presStyleCnt="4"/>
       <dgm:spPr/>
+      <dgm:t>
+        <a:bodyPr/>
+        <a:lstStyle/>
+        <a:p>
+          <a:endParaRPr lang="fr-FR"/>
+        </a:p>
+      </dgm:t>
     </dgm:pt>
     <dgm:pt modelId="{EFCBEA94-A35F-4961-A6DC-2C5C09F59366}" type="pres">
       <dgm:prSet presAssocID="{FC67937B-ECD9-418E-BAA8-7A78EF1C3C11}" presName="childText" presStyleLbl="bgAcc1" presStyleIdx="1" presStyleCnt="4">
@@ -1438,6 +1503,13 @@
         </dgm:presLayoutVars>
       </dgm:prSet>
       <dgm:spPr/>
+      <dgm:t>
+        <a:bodyPr/>
+        <a:lstStyle/>
+        <a:p>
+          <a:endParaRPr lang="fr-FR"/>
+        </a:p>
+      </dgm:t>
     </dgm:pt>
     <dgm:pt modelId="{C1561245-47F3-4065-A7BB-5131FE51DE9F}" type="pres">
       <dgm:prSet presAssocID="{41070621-9B71-4698-97CA-1A5804523326}" presName="root" presStyleCnt="0"/>
@@ -1450,10 +1522,24 @@
     <dgm:pt modelId="{CBFA3820-1B3A-496B-8310-548F9450ADAD}" type="pres">
       <dgm:prSet presAssocID="{41070621-9B71-4698-97CA-1A5804523326}" presName="rootText" presStyleLbl="node1" presStyleIdx="2" presStyleCnt="4"/>
       <dgm:spPr/>
+      <dgm:t>
+        <a:bodyPr/>
+        <a:lstStyle/>
+        <a:p>
+          <a:endParaRPr lang="fr-FR"/>
+        </a:p>
+      </dgm:t>
     </dgm:pt>
     <dgm:pt modelId="{4C44998E-C530-4FBF-BB5C-ECCEA93E8052}" type="pres">
       <dgm:prSet presAssocID="{41070621-9B71-4698-97CA-1A5804523326}" presName="rootConnector" presStyleLbl="node1" presStyleIdx="2" presStyleCnt="4"/>
       <dgm:spPr/>
+      <dgm:t>
+        <a:bodyPr/>
+        <a:lstStyle/>
+        <a:p>
+          <a:endParaRPr lang="fr-FR"/>
+        </a:p>
+      </dgm:t>
     </dgm:pt>
     <dgm:pt modelId="{2B5ABF40-9E1D-4A67-9E10-D92EAB6722EA}" type="pres">
       <dgm:prSet presAssocID="{41070621-9B71-4698-97CA-1A5804523326}" presName="childShape" presStyleCnt="0"/>
@@ -1462,6 +1548,13 @@
     <dgm:pt modelId="{882B0542-53D9-4CFD-9E4D-87084BEA7014}" type="pres">
       <dgm:prSet presAssocID="{37195B45-6527-428B-95F5-F20B9C5E179C}" presName="Name13" presStyleLbl="parChTrans1D2" presStyleIdx="2" presStyleCnt="4"/>
       <dgm:spPr/>
+      <dgm:t>
+        <a:bodyPr/>
+        <a:lstStyle/>
+        <a:p>
+          <a:endParaRPr lang="fr-FR"/>
+        </a:p>
+      </dgm:t>
     </dgm:pt>
     <dgm:pt modelId="{42D2A11F-A5DA-477F-9385-4CAF18A4CF01}" type="pres">
       <dgm:prSet presAssocID="{31077E0D-7B98-4E34-9BA4-D08398D0839E}" presName="childText" presStyleLbl="bgAcc1" presStyleIdx="2" presStyleCnt="4">
@@ -1470,6 +1563,13 @@
         </dgm:presLayoutVars>
       </dgm:prSet>
       <dgm:spPr/>
+      <dgm:t>
+        <a:bodyPr/>
+        <a:lstStyle/>
+        <a:p>
+          <a:endParaRPr lang="fr-FR"/>
+        </a:p>
+      </dgm:t>
     </dgm:pt>
     <dgm:pt modelId="{90E2962F-F569-4A89-967A-21EDB023FA3B}" type="pres">
       <dgm:prSet presAssocID="{036671A5-58F4-43DC-A013-C18E66251438}" presName="root" presStyleCnt="0"/>
@@ -1482,10 +1582,24 @@
     <dgm:pt modelId="{7EB877EF-126C-4F2D-8016-2AEC6BA22A9B}" type="pres">
       <dgm:prSet presAssocID="{036671A5-58F4-43DC-A013-C18E66251438}" presName="rootText" presStyleLbl="node1" presStyleIdx="3" presStyleCnt="4"/>
       <dgm:spPr/>
+      <dgm:t>
+        <a:bodyPr/>
+        <a:lstStyle/>
+        <a:p>
+          <a:endParaRPr lang="fr-FR"/>
+        </a:p>
+      </dgm:t>
     </dgm:pt>
     <dgm:pt modelId="{7B4DC890-7B1E-4EF4-97EE-E4E7B4958A86}" type="pres">
       <dgm:prSet presAssocID="{036671A5-58F4-43DC-A013-C18E66251438}" presName="rootConnector" presStyleLbl="node1" presStyleIdx="3" presStyleCnt="4"/>
       <dgm:spPr/>
+      <dgm:t>
+        <a:bodyPr/>
+        <a:lstStyle/>
+        <a:p>
+          <a:endParaRPr lang="fr-FR"/>
+        </a:p>
+      </dgm:t>
     </dgm:pt>
     <dgm:pt modelId="{2D1BDCF9-9CA7-44B1-8EC1-19CB485CC960}" type="pres">
       <dgm:prSet presAssocID="{036671A5-58F4-43DC-A013-C18E66251438}" presName="childShape" presStyleCnt="0"/>
@@ -1494,6 +1608,13 @@
     <dgm:pt modelId="{C4B5ACA8-B075-47FE-B6B6-FDF62F08BF65}" type="pres">
       <dgm:prSet presAssocID="{9C071BD7-B83F-4C6D-A9DB-3BC4D1BC9D79}" presName="Name13" presStyleLbl="parChTrans1D2" presStyleIdx="3" presStyleCnt="4"/>
       <dgm:spPr/>
+      <dgm:t>
+        <a:bodyPr/>
+        <a:lstStyle/>
+        <a:p>
+          <a:endParaRPr lang="fr-FR"/>
+        </a:p>
+      </dgm:t>
     </dgm:pt>
     <dgm:pt modelId="{26185EB0-DEAA-4981-A479-6B807AC0D04E}" type="pres">
       <dgm:prSet presAssocID="{7B7F8C95-A3DF-46B3-984D-D694A0D3CCFE}" presName="childText" presStyleLbl="bgAcc1" presStyleIdx="3" presStyleCnt="4">
@@ -1502,34 +1623,41 @@
         </dgm:presLayoutVars>
       </dgm:prSet>
       <dgm:spPr/>
+      <dgm:t>
+        <a:bodyPr/>
+        <a:lstStyle/>
+        <a:p>
+          <a:endParaRPr lang="fr-FR"/>
+        </a:p>
+      </dgm:t>
     </dgm:pt>
   </dgm:ptLst>
   <dgm:cxnLst>
-    <dgm:cxn modelId="{39B75A02-0D95-4778-885A-46FFB073C01A}" srcId="{EE4C5B55-9F98-4D21-9703-8C4D94152094}" destId="{D1614042-55CC-418E-9BB0-075E5AD1F5DD}" srcOrd="1" destOrd="0" parTransId="{A7CFD1ED-1963-4B3F-BD97-AF7109A580D7}" sibTransId="{729ADAAB-E823-482A-B8F0-30473ECFF479}"/>
+    <dgm:cxn modelId="{0106C578-4A75-4BB5-AFD2-DB0E72294CC8}" srcId="{EE4C5B55-9F98-4D21-9703-8C4D94152094}" destId="{41070621-9B71-4698-97CA-1A5804523326}" srcOrd="2" destOrd="0" parTransId="{4716AEF5-2634-4FDC-853D-8093FF79FF26}" sibTransId="{589C951C-A2B2-4AD6-A5DA-90CCE4B935FD}"/>
+    <dgm:cxn modelId="{CA5EB497-1597-401D-A55C-20BB34C28D59}" type="presOf" srcId="{9C071BD7-B83F-4C6D-A9DB-3BC4D1BC9D79}" destId="{C4B5ACA8-B075-47FE-B6B6-FDF62F08BF65}" srcOrd="0" destOrd="0" presId="urn:microsoft.com/office/officeart/2005/8/layout/hierarchy3"/>
+    <dgm:cxn modelId="{1F57E6CB-3E8B-4AF4-B6BA-4A77C95D8DEF}" type="presOf" srcId="{D1614042-55CC-418E-9BB0-075E5AD1F5DD}" destId="{8429794B-CAF0-4B18-A5A0-DB67F6785F03}" srcOrd="1" destOrd="0" presId="urn:microsoft.com/office/officeart/2005/8/layout/hierarchy3"/>
+    <dgm:cxn modelId="{B49E749D-CDD4-414C-B6D5-C3E58D31BAD8}" type="presOf" srcId="{FC67937B-ECD9-418E-BAA8-7A78EF1C3C11}" destId="{EFCBEA94-A35F-4961-A6DC-2C5C09F59366}" srcOrd="0" destOrd="0" presId="urn:microsoft.com/office/officeart/2005/8/layout/hierarchy3"/>
+    <dgm:cxn modelId="{62DAC3CA-170E-48CD-B26F-F3D3F04EDC34}" type="presOf" srcId="{BBA4A019-0C11-4C37-A859-3105CAB2C046}" destId="{3FBBC030-A29D-41A0-AC8F-0C09BFE9BE53}" srcOrd="0" destOrd="0" presId="urn:microsoft.com/office/officeart/2005/8/layout/hierarchy3"/>
+    <dgm:cxn modelId="{CD12D3E5-68C1-433B-9AC6-CB3856F5B6CE}" type="presOf" srcId="{3348761F-E3FC-4A28-927F-9A8AB748D58E}" destId="{E55C07FD-25CE-4582-8258-53AF093DBBF6}" srcOrd="0" destOrd="0" presId="urn:microsoft.com/office/officeart/2005/8/layout/hierarchy3"/>
+    <dgm:cxn modelId="{5B8B5029-5063-4CAE-B448-B923B74ED1D2}" srcId="{EE4C5B55-9F98-4D21-9703-8C4D94152094}" destId="{3348761F-E3FC-4A28-927F-9A8AB748D58E}" srcOrd="0" destOrd="0" parTransId="{0E695D55-1D1F-4EF2-B6E8-003EF7CB7C99}" sibTransId="{3C5633B6-4A00-42B8-8A87-3101BC09C120}"/>
+    <dgm:cxn modelId="{73340EBA-C7F3-493D-A738-77F211197DE7}" type="presOf" srcId="{036671A5-58F4-43DC-A013-C18E66251438}" destId="{7B4DC890-7B1E-4EF4-97EE-E4E7B4958A86}" srcOrd="1" destOrd="0" presId="urn:microsoft.com/office/officeart/2005/8/layout/hierarchy3"/>
+    <dgm:cxn modelId="{3189A21B-25E7-471A-A6CA-3001CEE9BD1C}" type="presOf" srcId="{41070621-9B71-4698-97CA-1A5804523326}" destId="{CBFA3820-1B3A-496B-8310-548F9450ADAD}" srcOrd="0" destOrd="0" presId="urn:microsoft.com/office/officeart/2005/8/layout/hierarchy3"/>
+    <dgm:cxn modelId="{26E2A395-151B-4187-9BB6-E73E460FBF6C}" type="presOf" srcId="{EE4C5B55-9F98-4D21-9703-8C4D94152094}" destId="{0AFB400B-9DC9-4A0D-88D3-43215EC714BA}" srcOrd="0" destOrd="0" presId="urn:microsoft.com/office/officeart/2005/8/layout/hierarchy3"/>
     <dgm:cxn modelId="{F33CE914-E71D-47DC-A1B3-603271D00234}" srcId="{3348761F-E3FC-4A28-927F-9A8AB748D58E}" destId="{E9C88759-E5B3-4797-80DD-91FE56438A75}" srcOrd="0" destOrd="0" parTransId="{BBA4A019-0C11-4C37-A859-3105CAB2C046}" sibTransId="{0E23D10A-08D7-4DC3-9F42-5330A37EE3AB}"/>
-    <dgm:cxn modelId="{3189A21B-25E7-471A-A6CA-3001CEE9BD1C}" type="presOf" srcId="{41070621-9B71-4698-97CA-1A5804523326}" destId="{CBFA3820-1B3A-496B-8310-548F9450ADAD}" srcOrd="0" destOrd="0" presId="urn:microsoft.com/office/officeart/2005/8/layout/hierarchy3"/>
     <dgm:cxn modelId="{5BAF0721-12EB-49A2-9815-D0258F21D734}" type="presOf" srcId="{41070621-9B71-4698-97CA-1A5804523326}" destId="{4C44998E-C530-4FBF-BB5C-ECCEA93E8052}" srcOrd="1" destOrd="0" presId="urn:microsoft.com/office/officeart/2005/8/layout/hierarchy3"/>
-    <dgm:cxn modelId="{5B8B5029-5063-4CAE-B448-B923B74ED1D2}" srcId="{EE4C5B55-9F98-4D21-9703-8C4D94152094}" destId="{3348761F-E3FC-4A28-927F-9A8AB748D58E}" srcOrd="0" destOrd="0" parTransId="{0E695D55-1D1F-4EF2-B6E8-003EF7CB7C99}" sibTransId="{3C5633B6-4A00-42B8-8A87-3101BC09C120}"/>
+    <dgm:cxn modelId="{3CE7FAA0-0752-414A-BBFB-A88B8BF7669A}" srcId="{EE4C5B55-9F98-4D21-9703-8C4D94152094}" destId="{036671A5-58F4-43DC-A013-C18E66251438}" srcOrd="3" destOrd="0" parTransId="{6BCC90CD-3AAD-46D1-B186-0B850446B4B0}" sibTransId="{D6931220-A15E-4025-8AFE-E56B2E4AF094}"/>
+    <dgm:cxn modelId="{368AF1FD-8029-417C-8C56-235845C4BC45}" type="presOf" srcId="{5B23CA86-3D98-4B3F-82A9-B001E5BCC329}" destId="{55AEC2EC-BEAE-417B-B91F-FAC170F28AFF}" srcOrd="0" destOrd="0" presId="urn:microsoft.com/office/officeart/2005/8/layout/hierarchy3"/>
+    <dgm:cxn modelId="{8C09E04F-F63A-4595-869C-22FB4169E255}" srcId="{41070621-9B71-4698-97CA-1A5804523326}" destId="{31077E0D-7B98-4E34-9BA4-D08398D0839E}" srcOrd="0" destOrd="0" parTransId="{37195B45-6527-428B-95F5-F20B9C5E179C}" sibTransId="{0864D959-B84D-4122-A3DB-2D36976414C5}"/>
+    <dgm:cxn modelId="{B15A9D91-9AC1-4D45-9BAB-7599379E1BC3}" type="presOf" srcId="{7B7F8C95-A3DF-46B3-984D-D694A0D3CCFE}" destId="{26185EB0-DEAA-4981-A479-6B807AC0D04E}" srcOrd="0" destOrd="0" presId="urn:microsoft.com/office/officeart/2005/8/layout/hierarchy3"/>
+    <dgm:cxn modelId="{674BB2F3-CB97-4B9C-BD43-839A86936FEC}" srcId="{036671A5-58F4-43DC-A013-C18E66251438}" destId="{7B7F8C95-A3DF-46B3-984D-D694A0D3CCFE}" srcOrd="0" destOrd="0" parTransId="{9C071BD7-B83F-4C6D-A9DB-3BC4D1BC9D79}" sibTransId="{30E97709-99C8-4CD9-A1C1-4B5F456EDA8E}"/>
+    <dgm:cxn modelId="{A79E4EAD-E5FE-4BCF-B065-DDBBF8E240B9}" type="presOf" srcId="{E9C88759-E5B3-4797-80DD-91FE56438A75}" destId="{3368953D-F239-4777-9ABC-9783DA239D61}" srcOrd="0" destOrd="0" presId="urn:microsoft.com/office/officeart/2005/8/layout/hierarchy3"/>
     <dgm:cxn modelId="{76CF4C2D-4596-4C6F-9A8E-7602B7BA2425}" type="presOf" srcId="{31077E0D-7B98-4E34-9BA4-D08398D0839E}" destId="{42D2A11F-A5DA-477F-9385-4CAF18A4CF01}" srcOrd="0" destOrd="0" presId="urn:microsoft.com/office/officeart/2005/8/layout/hierarchy3"/>
     <dgm:cxn modelId="{A84D515B-DE80-47A0-A7CC-AC0F2F56C4BD}" srcId="{D1614042-55CC-418E-9BB0-075E5AD1F5DD}" destId="{FC67937B-ECD9-418E-BAA8-7A78EF1C3C11}" srcOrd="0" destOrd="0" parTransId="{5B23CA86-3D98-4B3F-82A9-B001E5BCC329}" sibTransId="{02E17507-901B-48D8-82EC-B81A1956F5F0}"/>
+    <dgm:cxn modelId="{39B75A02-0D95-4778-885A-46FFB073C01A}" srcId="{EE4C5B55-9F98-4D21-9703-8C4D94152094}" destId="{D1614042-55CC-418E-9BB0-075E5AD1F5DD}" srcOrd="1" destOrd="0" parTransId="{A7CFD1ED-1963-4B3F-BD97-AF7109A580D7}" sibTransId="{729ADAAB-E823-482A-B8F0-30473ECFF479}"/>
     <dgm:cxn modelId="{D7740060-8833-45E8-BF8A-6AA9CCBB04DA}" type="presOf" srcId="{036671A5-58F4-43DC-A013-C18E66251438}" destId="{7EB877EF-126C-4F2D-8016-2AEC6BA22A9B}" srcOrd="0" destOrd="0" presId="urn:microsoft.com/office/officeart/2005/8/layout/hierarchy3"/>
-    <dgm:cxn modelId="{8C09E04F-F63A-4595-869C-22FB4169E255}" srcId="{41070621-9B71-4698-97CA-1A5804523326}" destId="{31077E0D-7B98-4E34-9BA4-D08398D0839E}" srcOrd="0" destOrd="0" parTransId="{37195B45-6527-428B-95F5-F20B9C5E179C}" sibTransId="{0864D959-B84D-4122-A3DB-2D36976414C5}"/>
-    <dgm:cxn modelId="{0106C578-4A75-4BB5-AFD2-DB0E72294CC8}" srcId="{EE4C5B55-9F98-4D21-9703-8C4D94152094}" destId="{41070621-9B71-4698-97CA-1A5804523326}" srcOrd="2" destOrd="0" parTransId="{4716AEF5-2634-4FDC-853D-8093FF79FF26}" sibTransId="{589C951C-A2B2-4AD6-A5DA-90CCE4B935FD}"/>
-    <dgm:cxn modelId="{B15A9D91-9AC1-4D45-9BAB-7599379E1BC3}" type="presOf" srcId="{7B7F8C95-A3DF-46B3-984D-D694A0D3CCFE}" destId="{26185EB0-DEAA-4981-A479-6B807AC0D04E}" srcOrd="0" destOrd="0" presId="urn:microsoft.com/office/officeart/2005/8/layout/hierarchy3"/>
-    <dgm:cxn modelId="{26E2A395-151B-4187-9BB6-E73E460FBF6C}" type="presOf" srcId="{EE4C5B55-9F98-4D21-9703-8C4D94152094}" destId="{0AFB400B-9DC9-4A0D-88D3-43215EC714BA}" srcOrd="0" destOrd="0" presId="urn:microsoft.com/office/officeart/2005/8/layout/hierarchy3"/>
-    <dgm:cxn modelId="{CA5EB497-1597-401D-A55C-20BB34C28D59}" type="presOf" srcId="{9C071BD7-B83F-4C6D-A9DB-3BC4D1BC9D79}" destId="{C4B5ACA8-B075-47FE-B6B6-FDF62F08BF65}" srcOrd="0" destOrd="0" presId="urn:microsoft.com/office/officeart/2005/8/layout/hierarchy3"/>
-    <dgm:cxn modelId="{B49E749D-CDD4-414C-B6D5-C3E58D31BAD8}" type="presOf" srcId="{FC67937B-ECD9-418E-BAA8-7A78EF1C3C11}" destId="{EFCBEA94-A35F-4961-A6DC-2C5C09F59366}" srcOrd="0" destOrd="0" presId="urn:microsoft.com/office/officeart/2005/8/layout/hierarchy3"/>
-    <dgm:cxn modelId="{3CE7FAA0-0752-414A-BBFB-A88B8BF7669A}" srcId="{EE4C5B55-9F98-4D21-9703-8C4D94152094}" destId="{036671A5-58F4-43DC-A013-C18E66251438}" srcOrd="3" destOrd="0" parTransId="{6BCC90CD-3AAD-46D1-B186-0B850446B4B0}" sibTransId="{D6931220-A15E-4025-8AFE-E56B2E4AF094}"/>
+    <dgm:cxn modelId="{E668EFCB-49D0-4AAD-9215-5B0C61ECD0DF}" type="presOf" srcId="{37195B45-6527-428B-95F5-F20B9C5E179C}" destId="{882B0542-53D9-4CFD-9E4D-87084BEA7014}" srcOrd="0" destOrd="0" presId="urn:microsoft.com/office/officeart/2005/8/layout/hierarchy3"/>
+    <dgm:cxn modelId="{0B3949EA-D533-42B4-8931-06333DCCF7B8}" type="presOf" srcId="{D1614042-55CC-418E-9BB0-075E5AD1F5DD}" destId="{DE5DEF89-E609-45CA-BD99-CBAAB97642A6}" srcOrd="0" destOrd="0" presId="urn:microsoft.com/office/officeart/2005/8/layout/hierarchy3"/>
     <dgm:cxn modelId="{6C822EA5-DC49-4EB5-9D6B-6E44329B7D0C}" type="presOf" srcId="{3348761F-E3FC-4A28-927F-9A8AB748D58E}" destId="{6A53550F-7D64-4A38-9518-9FACC3DF6FB9}" srcOrd="1" destOrd="0" presId="urn:microsoft.com/office/officeart/2005/8/layout/hierarchy3"/>
-    <dgm:cxn modelId="{A79E4EAD-E5FE-4BCF-B065-DDBBF8E240B9}" type="presOf" srcId="{E9C88759-E5B3-4797-80DD-91FE56438A75}" destId="{3368953D-F239-4777-9ABC-9783DA239D61}" srcOrd="0" destOrd="0" presId="urn:microsoft.com/office/officeart/2005/8/layout/hierarchy3"/>
-    <dgm:cxn modelId="{73340EBA-C7F3-493D-A738-77F211197DE7}" type="presOf" srcId="{036671A5-58F4-43DC-A013-C18E66251438}" destId="{7B4DC890-7B1E-4EF4-97EE-E4E7B4958A86}" srcOrd="1" destOrd="0" presId="urn:microsoft.com/office/officeart/2005/8/layout/hierarchy3"/>
-    <dgm:cxn modelId="{62DAC3CA-170E-48CD-B26F-F3D3F04EDC34}" type="presOf" srcId="{BBA4A019-0C11-4C37-A859-3105CAB2C046}" destId="{3FBBC030-A29D-41A0-AC8F-0C09BFE9BE53}" srcOrd="0" destOrd="0" presId="urn:microsoft.com/office/officeart/2005/8/layout/hierarchy3"/>
-    <dgm:cxn modelId="{1F57E6CB-3E8B-4AF4-B6BA-4A77C95D8DEF}" type="presOf" srcId="{D1614042-55CC-418E-9BB0-075E5AD1F5DD}" destId="{8429794B-CAF0-4B18-A5A0-DB67F6785F03}" srcOrd="1" destOrd="0" presId="urn:microsoft.com/office/officeart/2005/8/layout/hierarchy3"/>
-    <dgm:cxn modelId="{E668EFCB-49D0-4AAD-9215-5B0C61ECD0DF}" type="presOf" srcId="{37195B45-6527-428B-95F5-F20B9C5E179C}" destId="{882B0542-53D9-4CFD-9E4D-87084BEA7014}" srcOrd="0" destOrd="0" presId="urn:microsoft.com/office/officeart/2005/8/layout/hierarchy3"/>
-    <dgm:cxn modelId="{CD12D3E5-68C1-433B-9AC6-CB3856F5B6CE}" type="presOf" srcId="{3348761F-E3FC-4A28-927F-9A8AB748D58E}" destId="{E55C07FD-25CE-4582-8258-53AF093DBBF6}" srcOrd="0" destOrd="0" presId="urn:microsoft.com/office/officeart/2005/8/layout/hierarchy3"/>
-    <dgm:cxn modelId="{0B3949EA-D533-42B4-8931-06333DCCF7B8}" type="presOf" srcId="{D1614042-55CC-418E-9BB0-075E5AD1F5DD}" destId="{DE5DEF89-E609-45CA-BD99-CBAAB97642A6}" srcOrd="0" destOrd="0" presId="urn:microsoft.com/office/officeart/2005/8/layout/hierarchy3"/>
-    <dgm:cxn modelId="{674BB2F3-CB97-4B9C-BD43-839A86936FEC}" srcId="{036671A5-58F4-43DC-A013-C18E66251438}" destId="{7B7F8C95-A3DF-46B3-984D-D694A0D3CCFE}" srcOrd="0" destOrd="0" parTransId="{9C071BD7-B83F-4C6D-A9DB-3BC4D1BC9D79}" sibTransId="{30E97709-99C8-4CD9-A1C1-4B5F456EDA8E}"/>
-    <dgm:cxn modelId="{368AF1FD-8029-417C-8C56-235845C4BC45}" type="presOf" srcId="{5B23CA86-3D98-4B3F-82A9-B001E5BCC329}" destId="{55AEC2EC-BEAE-417B-B91F-FAC170F28AFF}" srcOrd="0" destOrd="0" presId="urn:microsoft.com/office/officeart/2005/8/layout/hierarchy3"/>
     <dgm:cxn modelId="{6E72C58B-FDFD-4588-80EB-C3B3ED89FB02}" type="presParOf" srcId="{0AFB400B-9DC9-4A0D-88D3-43215EC714BA}" destId="{90953F56-9220-4E2A-B760-A0D864E52DE4}" srcOrd="0" destOrd="0" presId="urn:microsoft.com/office/officeart/2005/8/layout/hierarchy3"/>
     <dgm:cxn modelId="{AD0C68F3-0FE4-4FAB-8619-B4CAB1B5C0B3}" type="presParOf" srcId="{90953F56-9220-4E2A-B760-A0D864E52DE4}" destId="{8C52D0CA-F709-4641-BDB1-6B818E985D71}" srcOrd="0" destOrd="0" presId="urn:microsoft.com/office/officeart/2005/8/layout/hierarchy3"/>
     <dgm:cxn modelId="{4260B409-AC37-472E-A511-2DD09F2E07D9}" type="presParOf" srcId="{8C52D0CA-F709-4641-BDB1-6B818E985D71}" destId="{E55C07FD-25CE-4582-8258-53AF093DBBF6}" srcOrd="0" destOrd="0" presId="urn:microsoft.com/office/officeart/2005/8/layout/hierarchy3"/>
@@ -1655,7 +1783,7 @@
         </a:bodyPr>
         <a:lstStyle/>
         <a:p>
-          <a:pPr marL="0" lvl="0" indent="0" algn="ctr" defTabSz="2533650">
+          <a:pPr lvl="0" algn="ctr" defTabSz="2533650">
             <a:lnSpc>
               <a:spcPct val="90000"/>
             </a:lnSpc>
@@ -1665,7 +1793,6 @@
             <a:spcAft>
               <a:spcPct val="35000"/>
             </a:spcAft>
-            <a:buNone/>
           </a:pPr>
           <a:r>
             <a:rPr lang="fr-FR" sz="5700" kern="1200" dirty="0"/>
@@ -1807,7 +1934,7 @@
         </a:bodyPr>
         <a:lstStyle/>
         <a:p>
-          <a:pPr marL="0" lvl="0" indent="0" algn="ctr" defTabSz="1155700">
+          <a:pPr lvl="0" algn="ctr" defTabSz="1155700">
             <a:lnSpc>
               <a:spcPct val="90000"/>
             </a:lnSpc>
@@ -1817,7 +1944,6 @@
             <a:spcAft>
               <a:spcPct val="35000"/>
             </a:spcAft>
-            <a:buNone/>
           </a:pPr>
           <a:r>
             <a:rPr lang="fr-FR" sz="2600" kern="1200" dirty="0"/>
@@ -1908,7 +2034,7 @@
         </a:bodyPr>
         <a:lstStyle/>
         <a:p>
-          <a:pPr marL="0" lvl="0" indent="0" algn="ctr" defTabSz="2533650">
+          <a:pPr lvl="0" algn="ctr" defTabSz="2533650">
             <a:lnSpc>
               <a:spcPct val="90000"/>
             </a:lnSpc>
@@ -1918,7 +2044,6 @@
             <a:spcAft>
               <a:spcPct val="35000"/>
             </a:spcAft>
-            <a:buNone/>
           </a:pPr>
           <a:r>
             <a:rPr lang="fr-FR" sz="5700" kern="1200" dirty="0"/>
@@ -2060,7 +2185,7 @@
         </a:bodyPr>
         <a:lstStyle/>
         <a:p>
-          <a:pPr marL="0" lvl="0" indent="0" algn="ctr" defTabSz="1155700">
+          <a:pPr lvl="0" algn="ctr" defTabSz="1155700">
             <a:lnSpc>
               <a:spcPct val="90000"/>
             </a:lnSpc>
@@ -2070,7 +2195,6 @@
             <a:spcAft>
               <a:spcPct val="35000"/>
             </a:spcAft>
-            <a:buNone/>
           </a:pPr>
           <a:r>
             <a:rPr lang="fr-FR" sz="2600" kern="1200" dirty="0"/>
@@ -2161,7 +2285,7 @@
         </a:bodyPr>
         <a:lstStyle/>
         <a:p>
-          <a:pPr marL="0" lvl="0" indent="0" algn="ctr" defTabSz="2533650">
+          <a:pPr lvl="0" algn="ctr" defTabSz="2533650">
             <a:lnSpc>
               <a:spcPct val="90000"/>
             </a:lnSpc>
@@ -2171,7 +2295,6 @@
             <a:spcAft>
               <a:spcPct val="35000"/>
             </a:spcAft>
-            <a:buNone/>
           </a:pPr>
           <a:r>
             <a:rPr lang="fr-FR" sz="5700" kern="1200" dirty="0"/>
@@ -2313,7 +2436,7 @@
         </a:bodyPr>
         <a:lstStyle/>
         <a:p>
-          <a:pPr marL="0" lvl="0" indent="0" algn="ctr" defTabSz="1155700">
+          <a:pPr lvl="0" algn="ctr" defTabSz="1155700">
             <a:lnSpc>
               <a:spcPct val="90000"/>
             </a:lnSpc>
@@ -2323,7 +2446,6 @@
             <a:spcAft>
               <a:spcPct val="35000"/>
             </a:spcAft>
-            <a:buNone/>
           </a:pPr>
           <a:r>
             <a:rPr lang="fr-FR" sz="2600" kern="1200" dirty="0"/>
@@ -2414,7 +2536,7 @@
         </a:bodyPr>
         <a:lstStyle/>
         <a:p>
-          <a:pPr marL="0" lvl="0" indent="0" algn="ctr" defTabSz="2533650">
+          <a:pPr lvl="0" algn="ctr" defTabSz="2533650">
             <a:lnSpc>
               <a:spcPct val="90000"/>
             </a:lnSpc>
@@ -2424,7 +2546,6 @@
             <a:spcAft>
               <a:spcPct val="35000"/>
             </a:spcAft>
-            <a:buNone/>
           </a:pPr>
           <a:r>
             <a:rPr lang="fr-FR" sz="5700" kern="1200" dirty="0"/>
@@ -2566,7 +2687,7 @@
         </a:bodyPr>
         <a:lstStyle/>
         <a:p>
-          <a:pPr marL="0" lvl="0" indent="0" algn="ctr" defTabSz="1155700">
+          <a:pPr lvl="0" algn="ctr" defTabSz="1155700">
             <a:lnSpc>
               <a:spcPct val="90000"/>
             </a:lnSpc>
@@ -2576,7 +2697,6 @@
             <a:spcAft>
               <a:spcPct val="35000"/>
             </a:spcAft>
-            <a:buNone/>
           </a:pPr>
           <a:r>
             <a:rPr lang="fr-FR" sz="2600" kern="1200" dirty="0"/>
@@ -4090,7 +4210,7 @@
           <a:p>
             <a:fld id="{BC0E93A1-5D2D-48C3-8E87-DBF4BA38606F}" type="datetimeFigureOut">
               <a:rPr lang="fr-FR" smtClean="0"/>
-              <a:t>26/01/2023</a:t>
+              <a:t>27/01/2023</a:t>
             </a:fld>
             <a:endParaRPr lang="fr-FR"/>
           </a:p>
@@ -4267,7 +4387,7 @@
           <a:p>
             <a:fld id="{1EA65116-99BB-460F-8597-05CC8675B1C1}" type="datetimeFigureOut">
               <a:rPr lang="fr-FR" smtClean="0"/>
-              <a:t>26/01/2023</a:t>
+              <a:t>27/01/2023</a:t>
             </a:fld>
             <a:endParaRPr lang="fr-FR"/>
           </a:p>
@@ -4534,6 +4654,187 @@
 </p:notesMaster>
 </file>
 
+<file path=ppt/notesSlides/notesSlide1.xml><?xml version="1.0" encoding="utf-8"?>
+<p:notes xmlns:a="http://schemas.openxmlformats.org/drawingml/2006/main" xmlns:r="http://schemas.openxmlformats.org/officeDocument/2006/relationships" xmlns:p="http://schemas.openxmlformats.org/presentationml/2006/main">
+  <p:cSld>
+    <p:spTree>
+      <p:nvGrpSpPr>
+        <p:cNvPr id="1" name=""/>
+        <p:cNvGrpSpPr/>
+        <p:nvPr/>
+      </p:nvGrpSpPr>
+      <p:grpSpPr>
+        <a:xfrm>
+          <a:off x="0" y="0"/>
+          <a:ext cx="0" cy="0"/>
+          <a:chOff x="0" y="0"/>
+          <a:chExt cx="0" cy="0"/>
+        </a:xfrm>
+      </p:grpSpPr>
+      <p:sp>
+        <p:nvSpPr>
+          <p:cNvPr id="2" name="Espace réservé de l'image des diapositives 1"/>
+          <p:cNvSpPr>
+            <a:spLocks noGrp="1" noRot="1" noChangeAspect="1"/>
+          </p:cNvSpPr>
+          <p:nvPr>
+            <p:ph type="sldImg"/>
+          </p:nvPr>
+        </p:nvSpPr>
+        <p:spPr/>
+      </p:sp>
+      <p:sp>
+        <p:nvSpPr>
+          <p:cNvPr id="3" name="Espace réservé des notes 2"/>
+          <p:cNvSpPr>
+            <a:spLocks noGrp="1"/>
+          </p:cNvSpPr>
+          <p:nvPr>
+            <p:ph type="body" idx="1"/>
+          </p:nvPr>
+        </p:nvSpPr>
+        <p:spPr/>
+        <p:txBody>
+          <a:bodyPr/>
+          <a:lstStyle/>
+          <a:p>
+            <a:r>
+              <a:rPr lang="fr-FR" sz="1200" b="1" i="0" kern="1200" dirty="0" err="1" smtClean="0">
+                <a:solidFill>
+                  <a:schemeClr val="tx1"/>
+                </a:solidFill>
+                <a:effectLst/>
+                <a:latin typeface="+mn-lt"/>
+                <a:ea typeface="+mn-ea"/>
+                <a:cs typeface="+mn-cs"/>
+              </a:rPr>
+              <a:t>Deep</a:t>
+            </a:r>
+            <a:r>
+              <a:rPr lang="fr-FR" sz="1200" b="1" i="0" kern="1200" dirty="0" smtClean="0">
+                <a:solidFill>
+                  <a:schemeClr val="tx1"/>
+                </a:solidFill>
+                <a:effectLst/>
+                <a:latin typeface="+mn-lt"/>
+                <a:ea typeface="+mn-ea"/>
+                <a:cs typeface="+mn-cs"/>
+              </a:rPr>
+              <a:t> Learning : </a:t>
+            </a:r>
+            <a:r>
+              <a:rPr lang="fr-FR" sz="1200" b="0" i="0" kern="1200" dirty="0" smtClean="0">
+                <a:solidFill>
+                  <a:schemeClr val="tx1"/>
+                </a:solidFill>
+                <a:effectLst/>
+                <a:latin typeface="+mn-lt"/>
+                <a:ea typeface="+mn-ea"/>
+                <a:cs typeface="+mn-cs"/>
+              </a:rPr>
+              <a:t>c’est une technique de machine </a:t>
+            </a:r>
+            <a:r>
+              <a:rPr lang="fr-FR" sz="1200" b="0" i="0" kern="1200" dirty="0" err="1" smtClean="0">
+                <a:solidFill>
+                  <a:schemeClr val="tx1"/>
+                </a:solidFill>
+                <a:effectLst/>
+                <a:latin typeface="+mn-lt"/>
+                <a:ea typeface="+mn-ea"/>
+                <a:cs typeface="+mn-cs"/>
+              </a:rPr>
+              <a:t>learning</a:t>
+            </a:r>
+            <a:r>
+              <a:rPr lang="fr-FR" sz="1200" b="0" i="0" kern="1200" dirty="0" smtClean="0">
+                <a:solidFill>
+                  <a:schemeClr val="tx1"/>
+                </a:solidFill>
+                <a:effectLst/>
+                <a:latin typeface="+mn-lt"/>
+                <a:ea typeface="+mn-ea"/>
+                <a:cs typeface="+mn-cs"/>
+              </a:rPr>
+              <a:t> reposant sur le modèle des réseaux neurones</a:t>
+            </a:r>
+          </a:p>
+          <a:p>
+            <a:endParaRPr lang="fr-FR" sz="1200" b="0" i="0" kern="1200" dirty="0" smtClean="0">
+              <a:solidFill>
+                <a:schemeClr val="tx1"/>
+              </a:solidFill>
+              <a:effectLst/>
+              <a:latin typeface="+mn-lt"/>
+              <a:ea typeface="+mn-ea"/>
+              <a:cs typeface="+mn-cs"/>
+            </a:endParaRPr>
+          </a:p>
+          <a:p>
+            <a:r>
+              <a:rPr lang="fr-FR" sz="1200" b="1" i="0" kern="1200" dirty="0" smtClean="0">
+                <a:solidFill>
+                  <a:schemeClr val="tx1"/>
+                </a:solidFill>
+                <a:effectLst/>
+                <a:latin typeface="+mn-lt"/>
+                <a:ea typeface="+mn-ea"/>
+                <a:cs typeface="+mn-cs"/>
+              </a:rPr>
+              <a:t>Machine Learning : </a:t>
+            </a:r>
+            <a:r>
+              <a:rPr lang="fr-FR" sz="1200" b="0" i="0" kern="1200" dirty="0" smtClean="0">
+                <a:solidFill>
+                  <a:schemeClr val="tx1"/>
+                </a:solidFill>
+                <a:effectLst/>
+                <a:latin typeface="+mn-lt"/>
+                <a:ea typeface="+mn-ea"/>
+                <a:cs typeface="+mn-cs"/>
+              </a:rPr>
+              <a:t>c’est un ensemble de techniques donnant la capacité aux machines d’apprendre automatiquement un ensemble de règles à partir de données.</a:t>
+            </a:r>
+            <a:endParaRPr lang="fr-FR" dirty="0"/>
+          </a:p>
+        </p:txBody>
+      </p:sp>
+      <p:sp>
+        <p:nvSpPr>
+          <p:cNvPr id="4" name="Espace réservé du numéro de diapositive 3"/>
+          <p:cNvSpPr>
+            <a:spLocks noGrp="1"/>
+          </p:cNvSpPr>
+          <p:nvPr>
+            <p:ph type="sldNum" sz="quarter" idx="10"/>
+          </p:nvPr>
+        </p:nvSpPr>
+        <p:spPr/>
+        <p:txBody>
+          <a:bodyPr/>
+          <a:lstStyle/>
+          <a:p>
+            <a:fld id="{BE6A3502-4EBC-4C4A-A292-F75D69273301}" type="slidenum">
+              <a:rPr lang="fr-FR" smtClean="0"/>
+              <a:t>5</a:t>
+            </a:fld>
+            <a:endParaRPr lang="fr-FR"/>
+          </a:p>
+        </p:txBody>
+      </p:sp>
+    </p:spTree>
+    <p:extLst>
+      <p:ext uri="{BB962C8B-B14F-4D97-AF65-F5344CB8AC3E}">
+        <p14:creationId xmlns:p14="http://schemas.microsoft.com/office/powerpoint/2010/main" val="2546905591"/>
+      </p:ext>
+    </p:extLst>
+  </p:cSld>
+  <p:clrMapOvr>
+    <a:masterClrMapping/>
+  </p:clrMapOvr>
+</p:notes>
+</file>
+
 <file path=ppt/slideLayouts/slideLayout1.xml><?xml version="1.0" encoding="utf-8"?>
 <p:sldLayout xmlns:a="http://schemas.openxmlformats.org/drawingml/2006/main" xmlns:r="http://schemas.openxmlformats.org/officeDocument/2006/relationships" xmlns:p="http://schemas.openxmlformats.org/presentationml/2006/main" type="title" preserve="1">
   <p:cSld name="Diapositive de titre">
@@ -4704,7 +5005,7 @@
           <a:p>
             <a:fld id="{1E299127-C97F-4C5D-9B2F-6A7C2115578A}" type="datetime1">
               <a:rPr lang="fr-FR" smtClean="0"/>
-              <a:t>26/01/2023</a:t>
+              <a:t>27/01/2023</a:t>
             </a:fld>
             <a:endParaRPr lang="fr-FR"/>
           </a:p>
@@ -4943,7 +5244,7 @@
           <a:p>
             <a:fld id="{2DE9AA2A-04C5-437F-8F77-7F6DC0CC5D37}" type="datetime1">
               <a:rPr lang="fr-FR" smtClean="0"/>
-              <a:t>26/01/2023</a:t>
+              <a:t>27/01/2023</a:t>
             </a:fld>
             <a:endParaRPr lang="fr-FR"/>
           </a:p>
@@ -5174,7 +5475,7 @@
           <a:p>
             <a:fld id="{D2DEAFA2-BA3C-4896-B01C-FA7DF04F0A06}" type="datetime1">
               <a:rPr lang="fr-FR" smtClean="0"/>
-              <a:t>26/01/2023</a:t>
+              <a:t>27/01/2023</a:t>
             </a:fld>
             <a:endParaRPr lang="fr-FR"/>
           </a:p>
@@ -5456,7 +5757,7 @@
           <a:p>
             <a:fld id="{52AD44DF-14F6-4669-9DB0-A83B287A23E5}" type="datetime1">
               <a:rPr lang="fr-FR" smtClean="0"/>
-              <a:t>26/01/2023</a:t>
+              <a:t>27/01/2023</a:t>
             </a:fld>
             <a:endParaRPr lang="fr-FR"/>
           </a:p>
@@ -5901,7 +6202,7 @@
           <a:p>
             <a:fld id="{823DB5C6-1C52-4E06-9301-4B03AF093D3E}" type="datetime1">
               <a:rPr lang="fr-FR" smtClean="0"/>
-              <a:t>26/01/2023</a:t>
+              <a:t>27/01/2023</a:t>
             </a:fld>
             <a:endParaRPr lang="fr-FR"/>
           </a:p>
@@ -6420,7 +6721,7 @@
           <a:p>
             <a:fld id="{61DE6E9E-6AF3-4EDC-8630-E1241319F05B}" type="datetime1">
               <a:rPr lang="fr-FR" smtClean="0"/>
-              <a:t>26/01/2023</a:t>
+              <a:t>27/01/2023</a:t>
             </a:fld>
             <a:endParaRPr lang="fr-FR"/>
           </a:p>
@@ -7194,7 +7495,7 @@
           <a:p>
             <a:fld id="{3DFDE555-4688-4C8D-A266-A707A3B8B29B}" type="datetime1">
               <a:rPr lang="fr-FR" smtClean="0"/>
-              <a:t>26/01/2023</a:t>
+              <a:t>27/01/2023</a:t>
             </a:fld>
             <a:endParaRPr lang="fr-FR"/>
           </a:p>
@@ -7369,7 +7670,7 @@
           <a:p>
             <a:fld id="{69B341B8-C622-4DC1-9412-ECCC874A8F4C}" type="datetime1">
               <a:rPr lang="fr-FR" smtClean="0"/>
-              <a:t>26/01/2023</a:t>
+              <a:t>27/01/2023</a:t>
             </a:fld>
             <a:endParaRPr lang="fr-FR"/>
           </a:p>
@@ -7592,7 +7893,7 @@
           <a:p>
             <a:fld id="{DEA183B5-0D28-4525-92F3-F55E930654FF}" type="datetime1">
               <a:rPr lang="fr-FR" smtClean="0"/>
-              <a:t>26/01/2023</a:t>
+              <a:t>27/01/2023</a:t>
             </a:fld>
             <a:endParaRPr lang="fr-FR"/>
           </a:p>
@@ -7744,7 +8045,7 @@
           <a:p>
             <a:fld id="{6ADA50B9-B7CF-427A-8AEA-72E200722843}" type="datetime1">
               <a:rPr lang="fr-FR" smtClean="0"/>
-              <a:t>26/01/2023</a:t>
+              <a:t>27/01/2023</a:t>
             </a:fld>
             <a:endParaRPr lang="fr-FR"/>
           </a:p>
@@ -8033,7 +8334,7 @@
           <a:p>
             <a:fld id="{17B54002-E02E-459C-AA54-67F429336EAA}" type="datetime1">
               <a:rPr lang="fr-FR" smtClean="0"/>
-              <a:t>26/01/2023</a:t>
+              <a:t>27/01/2023</a:t>
             </a:fld>
             <a:endParaRPr lang="fr-FR"/>
           </a:p>
@@ -8247,7 +8548,7 @@
           <a:p>
             <a:fld id="{03A2DA73-5859-44D3-B173-ACC8AE347B84}" type="datetime1">
               <a:rPr lang="fr-FR" smtClean="0"/>
-              <a:t>26/01/2023</a:t>
+              <a:t>27/01/2023</a:t>
             </a:fld>
             <a:endParaRPr lang="fr-FR"/>
           </a:p>
@@ -8626,7 +8927,7 @@
           <a:p>
             <a:fld id="{5B1925C7-679C-4264-B673-B66D98D68E02}" type="datetime1">
               <a:rPr lang="fr-FR" smtClean="0"/>
-              <a:t>26/01/2023</a:t>
+              <a:t>27/01/2023</a:t>
             </a:fld>
             <a:endParaRPr lang="fr-FR"/>
           </a:p>
@@ -8744,7 +9045,7 @@
           <a:p>
             <a:fld id="{98CF3CDC-05BA-44DE-85A9-882EDBDE7680}" type="datetime1">
               <a:rPr lang="fr-FR" smtClean="0"/>
-              <a:t>26/01/2023</a:t>
+              <a:t>27/01/2023</a:t>
             </a:fld>
             <a:endParaRPr lang="fr-FR"/>
           </a:p>
@@ -8854,7 +9155,7 @@
           <a:p>
             <a:fld id="{9653C683-815D-45CB-BBD2-E449EE9003C0}" type="datetime1">
               <a:rPr lang="fr-FR" smtClean="0"/>
-              <a:t>26/01/2023</a:t>
+              <a:t>27/01/2023</a:t>
             </a:fld>
             <a:endParaRPr lang="fr-FR"/>
           </a:p>
@@ -9103,7 +9404,7 @@
           <a:p>
             <a:fld id="{18F0D64A-8B62-487F-BA64-D0E7C31D05E9}" type="datetime1">
               <a:rPr lang="fr-FR" smtClean="0"/>
-              <a:t>26/01/2023</a:t>
+              <a:t>27/01/2023</a:t>
             </a:fld>
             <a:endParaRPr lang="fr-FR"/>
           </a:p>
@@ -9360,7 +9661,7 @@
           <a:p>
             <a:fld id="{4F007C95-7CE6-40CC-904B-461484802680}" type="datetime1">
               <a:rPr lang="fr-FR" smtClean="0"/>
-              <a:t>26/01/2023</a:t>
+              <a:t>27/01/2023</a:t>
             </a:fld>
             <a:endParaRPr lang="fr-FR"/>
           </a:p>
@@ -9603,7 +9904,7 @@
           <a:p>
             <a:fld id="{7A508042-F0E6-48A2-9EC8-11033F66AC28}" type="datetime1">
               <a:rPr lang="fr-FR" smtClean="0"/>
-              <a:t>26/01/2023</a:t>
+              <a:t>27/01/2023</a:t>
             </a:fld>
             <a:endParaRPr lang="fr-FR"/>
           </a:p>
@@ -10258,6 +10559,13 @@
   <p:clrMapOvr>
     <a:masterClrMapping/>
   </p:clrMapOvr>
+  <p:timing>
+    <p:tnLst>
+      <p:par>
+        <p:cTn id="1" dur="indefinite" restart="never" nodeType="tmRoot"/>
+      </p:par>
+    </p:tnLst>
+  </p:timing>
 </p:sld>
 </file>
 
@@ -10415,6 +10723,13 @@
   <p:clrMapOvr>
     <a:masterClrMapping/>
   </p:clrMapOvr>
+  <p:timing>
+    <p:tnLst>
+      <p:par>
+        <p:cTn id="1" dur="indefinite" restart="never" nodeType="tmRoot"/>
+      </p:par>
+    </p:tnLst>
+  </p:timing>
 </p:sld>
 </file>
 
@@ -10435,36 +10750,6 @@
           <a:chExt cx="0" cy="0"/>
         </a:xfrm>
       </p:grpSpPr>
-      <p:sp>
-        <p:nvSpPr>
-          <p:cNvPr id="6" name="Titre 5">
-            <a:extLst>
-              <a:ext uri="{FF2B5EF4-FFF2-40B4-BE49-F238E27FC236}">
-                <a16:creationId xmlns:a16="http://schemas.microsoft.com/office/drawing/2014/main" id="{64B8FF95-69EC-9FA4-8428-71F7C4BBB26C}"/>
-              </a:ext>
-            </a:extLst>
-          </p:cNvPr>
-          <p:cNvSpPr>
-            <a:spLocks noGrp="1"/>
-          </p:cNvSpPr>
-          <p:nvPr>
-            <p:ph type="title"/>
-          </p:nvPr>
-        </p:nvSpPr>
-        <p:spPr/>
-        <p:txBody>
-          <a:bodyPr/>
-          <a:lstStyle/>
-          <a:p>
-            <a:r>
-              <a:rPr lang="fr-FR" dirty="0">
-                <a:latin typeface="Gloucester MT Extra Condensed" panose="02030808020601010101" pitchFamily="18" charset="0"/>
-              </a:rPr>
-              <a:t>UML</a:t>
-            </a:r>
-          </a:p>
-        </p:txBody>
-      </p:sp>
       <p:pic>
         <p:nvPicPr>
           <p:cNvPr id="5" name="Espace réservé du contenu 4">
@@ -10566,6 +10851,65 @@
           </a:p>
         </p:txBody>
       </p:sp>
+      <p:sp>
+        <p:nvSpPr>
+          <p:cNvPr id="7" name="Titre 1">
+            <a:extLst>
+              <a:ext uri="{FF2B5EF4-FFF2-40B4-BE49-F238E27FC236}">
+                <a16:creationId xmlns:a16="http://schemas.microsoft.com/office/drawing/2014/main" id="{188848C8-BB7A-377E-2A32-2750F27C3F79}"/>
+              </a:ext>
+            </a:extLst>
+          </p:cNvPr>
+          <p:cNvSpPr txBox="1">
+            <a:spLocks/>
+          </p:cNvSpPr>
+          <p:nvPr/>
+        </p:nvSpPr>
+        <p:spPr>
+          <a:xfrm>
+            <a:off x="2946123" y="172270"/>
+            <a:ext cx="8610600" cy="1293028"/>
+          </a:xfrm>
+          <a:prstGeom prst="rect">
+            <a:avLst/>
+          </a:prstGeom>
+        </p:spPr>
+        <p:txBody>
+          <a:bodyPr vert="horz" lIns="91440" tIns="45720" rIns="91440" bIns="45720" rtlCol="0" anchor="ctr">
+            <a:normAutofit/>
+          </a:bodyPr>
+          <a:lstStyle>
+            <a:lvl1pPr algn="r" defTabSz="914400" rtl="0" eaLnBrk="1" latinLnBrk="0" hangingPunct="1">
+              <a:lnSpc>
+                <a:spcPct val="90000"/>
+              </a:lnSpc>
+              <a:spcBef>
+                <a:spcPct val="0"/>
+              </a:spcBef>
+              <a:buNone/>
+              <a:defRPr sz="4000" kern="1200" cap="all" baseline="0">
+                <a:solidFill>
+                  <a:schemeClr val="tx1"/>
+                </a:solidFill>
+                <a:latin typeface="+mj-lt"/>
+                <a:ea typeface="+mj-ea"/>
+                <a:cs typeface="+mj-cs"/>
+              </a:defRPr>
+            </a:lvl1pPr>
+          </a:lstStyle>
+          <a:p>
+            <a:r>
+              <a:rPr lang="fr-FR" dirty="0" smtClean="0">
+                <a:latin typeface="Gloucester MT Extra Condensed" panose="02030808020601010101" pitchFamily="18" charset="0"/>
+              </a:rPr>
+              <a:t>UML</a:t>
+            </a:r>
+            <a:endParaRPr lang="fr-FR" dirty="0">
+              <a:latin typeface="Gloucester MT Extra Condensed" panose="02030808020601010101" pitchFamily="18" charset="0"/>
+            </a:endParaRPr>
+          </a:p>
+        </p:txBody>
+      </p:sp>
     </p:spTree>
     <p:extLst>
       <p:ext uri="{BB962C8B-B14F-4D97-AF65-F5344CB8AC3E}">
@@ -10576,6 +10920,13 @@
   <p:clrMapOvr>
     <a:masterClrMapping/>
   </p:clrMapOvr>
+  <p:timing>
+    <p:tnLst>
+      <p:par>
+        <p:cTn id="1" dur="indefinite" restart="never" nodeType="tmRoot"/>
+      </p:par>
+    </p:tnLst>
+  </p:timing>
 </p:sld>
 </file>
 
@@ -10598,36 +10949,6 @@
       </p:grpSpPr>
       <p:sp>
         <p:nvSpPr>
-          <p:cNvPr id="2" name="Titre 1">
-            <a:extLst>
-              <a:ext uri="{FF2B5EF4-FFF2-40B4-BE49-F238E27FC236}">
-                <a16:creationId xmlns:a16="http://schemas.microsoft.com/office/drawing/2014/main" id="{188848C8-BB7A-377E-2A32-2750F27C3F79}"/>
-              </a:ext>
-            </a:extLst>
-          </p:cNvPr>
-          <p:cNvSpPr>
-            <a:spLocks noGrp="1"/>
-          </p:cNvSpPr>
-          <p:nvPr>
-            <p:ph type="title"/>
-          </p:nvPr>
-        </p:nvSpPr>
-        <p:spPr/>
-        <p:txBody>
-          <a:bodyPr/>
-          <a:lstStyle/>
-          <a:p>
-            <a:r>
-              <a:rPr lang="fr-FR" dirty="0">
-                <a:latin typeface="Gloucester MT Extra Condensed" panose="02030808020601010101" pitchFamily="18" charset="0"/>
-              </a:rPr>
-              <a:t>Tests unitaires</a:t>
-            </a:r>
-          </a:p>
-        </p:txBody>
-      </p:sp>
-      <p:sp>
-        <p:nvSpPr>
           <p:cNvPr id="3" name="Espace réservé du numéro de diapositive 2">
             <a:extLst>
               <a:ext uri="{FF2B5EF4-FFF2-40B4-BE49-F238E27FC236}">
@@ -10655,6 +10976,65 @@
           </a:p>
         </p:txBody>
       </p:sp>
+      <p:sp>
+        <p:nvSpPr>
+          <p:cNvPr id="4" name="Titre 1">
+            <a:extLst>
+              <a:ext uri="{FF2B5EF4-FFF2-40B4-BE49-F238E27FC236}">
+                <a16:creationId xmlns:a16="http://schemas.microsoft.com/office/drawing/2014/main" id="{188848C8-BB7A-377E-2A32-2750F27C3F79}"/>
+              </a:ext>
+            </a:extLst>
+          </p:cNvPr>
+          <p:cNvSpPr txBox="1">
+            <a:spLocks/>
+          </p:cNvSpPr>
+          <p:nvPr/>
+        </p:nvSpPr>
+        <p:spPr>
+          <a:xfrm>
+            <a:off x="2946123" y="172270"/>
+            <a:ext cx="8610600" cy="1293028"/>
+          </a:xfrm>
+          <a:prstGeom prst="rect">
+            <a:avLst/>
+          </a:prstGeom>
+        </p:spPr>
+        <p:txBody>
+          <a:bodyPr vert="horz" lIns="91440" tIns="45720" rIns="91440" bIns="45720" rtlCol="0" anchor="ctr">
+            <a:normAutofit/>
+          </a:bodyPr>
+          <a:lstStyle>
+            <a:lvl1pPr algn="r" defTabSz="914400" rtl="0" eaLnBrk="1" latinLnBrk="0" hangingPunct="1">
+              <a:lnSpc>
+                <a:spcPct val="90000"/>
+              </a:lnSpc>
+              <a:spcBef>
+                <a:spcPct val="0"/>
+              </a:spcBef>
+              <a:buNone/>
+              <a:defRPr sz="4000" kern="1200" cap="all" baseline="0">
+                <a:solidFill>
+                  <a:schemeClr val="tx1"/>
+                </a:solidFill>
+                <a:latin typeface="+mj-lt"/>
+                <a:ea typeface="+mj-ea"/>
+                <a:cs typeface="+mj-cs"/>
+              </a:defRPr>
+            </a:lvl1pPr>
+          </a:lstStyle>
+          <a:p>
+            <a:r>
+              <a:rPr lang="fr-FR" dirty="0" smtClean="0">
+                <a:latin typeface="Gloucester MT Extra Condensed" panose="02030808020601010101" pitchFamily="18" charset="0"/>
+              </a:rPr>
+              <a:t>Tests unitaires</a:t>
+            </a:r>
+            <a:endParaRPr lang="fr-FR" dirty="0">
+              <a:latin typeface="Gloucester MT Extra Condensed" panose="02030808020601010101" pitchFamily="18" charset="0"/>
+            </a:endParaRPr>
+          </a:p>
+        </p:txBody>
+      </p:sp>
     </p:spTree>
     <p:extLst>
       <p:ext uri="{BB962C8B-B14F-4D97-AF65-F5344CB8AC3E}">
@@ -10665,6 +11045,13 @@
   <p:clrMapOvr>
     <a:masterClrMapping/>
   </p:clrMapOvr>
+  <p:timing>
+    <p:tnLst>
+      <p:par>
+        <p:cTn id="1" dur="indefinite" restart="never" nodeType="tmRoot"/>
+      </p:par>
+    </p:tnLst>
+  </p:timing>
 </p:sld>
 </file>
 
@@ -10701,7 +11088,12 @@
             <p:ph type="title"/>
           </p:nvPr>
         </p:nvSpPr>
-        <p:spPr/>
+        <p:spPr>
+          <a:xfrm>
+            <a:off x="2946123" y="172270"/>
+            <a:ext cx="8610600" cy="1293028"/>
+          </a:xfrm>
+        </p:spPr>
         <p:txBody>
           <a:bodyPr/>
           <a:lstStyle/>
@@ -10711,42 +11103,6 @@
                 <a:latin typeface="Gloucester MT Extra Condensed" panose="02030808020601010101" pitchFamily="18" charset="0"/>
               </a:rPr>
               <a:t> Implémentation d’une IA / programme</a:t>
-            </a:r>
-          </a:p>
-        </p:txBody>
-      </p:sp>
-      <p:sp>
-        <p:nvSpPr>
-          <p:cNvPr id="3" name="ZoneTexte 2">
-            <a:extLst>
-              <a:ext uri="{FF2B5EF4-FFF2-40B4-BE49-F238E27FC236}">
-                <a16:creationId xmlns:a16="http://schemas.microsoft.com/office/drawing/2014/main" id="{3B20E42B-ED90-8E07-5A60-A211C530B4E4}"/>
-              </a:ext>
-            </a:extLst>
-          </p:cNvPr>
-          <p:cNvSpPr txBox="1"/>
-          <p:nvPr/>
-        </p:nvSpPr>
-        <p:spPr>
-          <a:xfrm>
-            <a:off x="3728977" y="3773347"/>
-            <a:ext cx="4734045" cy="369332"/>
-          </a:xfrm>
-          <a:prstGeom prst="rect">
-            <a:avLst/>
-          </a:prstGeom>
-          <a:noFill/>
-        </p:spPr>
-        <p:txBody>
-          <a:bodyPr wrap="square" rtlCol="0">
-            <a:spAutoFit/>
-          </a:bodyPr>
-          <a:lstStyle/>
-          <a:p>
-            <a:pPr algn="ctr"/>
-            <a:r>
-              <a:rPr lang="fr-FR" dirty="0"/>
-              <a:t>(Explication de l’algorithme)</a:t>
             </a:r>
           </a:p>
         </p:txBody>
@@ -10780,6 +11136,602 @@
           </a:p>
         </p:txBody>
       </p:sp>
+      <p:grpSp>
+        <p:nvGrpSpPr>
+          <p:cNvPr id="8" name="Groupe 7"/>
+          <p:cNvGrpSpPr/>
+          <p:nvPr/>
+        </p:nvGrpSpPr>
+        <p:grpSpPr>
+          <a:xfrm>
+            <a:off x="4560498" y="1627353"/>
+            <a:ext cx="3071004" cy="2138544"/>
+            <a:chOff x="4560498" y="2316136"/>
+            <a:chExt cx="3071004" cy="2138544"/>
+          </a:xfrm>
+        </p:grpSpPr>
+        <p:pic>
+          <p:nvPicPr>
+            <p:cNvPr id="6" name="Image 5"/>
+            <p:cNvPicPr>
+              <a:picLocks noChangeAspect="1"/>
+            </p:cNvPicPr>
+            <p:nvPr/>
+          </p:nvPicPr>
+          <p:blipFill>
+            <a:blip r:embed="rId3" cstate="hqprint">
+              <a:extLst>
+                <a:ext uri="{28A0092B-C50C-407E-A947-70E740481C1C}">
+                  <a14:useLocalDpi xmlns:a14="http://schemas.microsoft.com/office/drawing/2010/main" val="0"/>
+                </a:ext>
+              </a:extLst>
+            </a:blip>
+            <a:stretch>
+              <a:fillRect/>
+            </a:stretch>
+          </p:blipFill>
+          <p:spPr>
+            <a:xfrm>
+              <a:off x="4560498" y="2842403"/>
+              <a:ext cx="3071004" cy="1612277"/>
+            </a:xfrm>
+            <a:prstGeom prst="roundRect">
+              <a:avLst>
+                <a:gd name="adj" fmla="val 16667"/>
+              </a:avLst>
+            </a:prstGeom>
+            <a:ln>
+              <a:noFill/>
+            </a:ln>
+            <a:effectLst>
+              <a:outerShdw blurRad="76200" dist="38100" dir="7800000" algn="tl" rotWithShape="0">
+                <a:srgbClr val="000000">
+                  <a:alpha val="40000"/>
+                </a:srgbClr>
+              </a:outerShdw>
+            </a:effectLst>
+            <a:scene3d>
+              <a:camera prst="orthographicFront"/>
+              <a:lightRig rig="contrasting" dir="t">
+                <a:rot lat="0" lon="0" rev="4200000"/>
+              </a:lightRig>
+            </a:scene3d>
+            <a:sp3d prstMaterial="plastic">
+              <a:bevelT w="381000" h="114300" prst="relaxedInset"/>
+              <a:contourClr>
+                <a:srgbClr val="969696"/>
+              </a:contourClr>
+            </a:sp3d>
+          </p:spPr>
+        </p:pic>
+        <p:sp>
+          <p:nvSpPr>
+            <p:cNvPr id="7" name="ZoneTexte 6"/>
+            <p:cNvSpPr txBox="1"/>
+            <p:nvPr/>
+          </p:nvSpPr>
+          <p:spPr>
+            <a:xfrm>
+              <a:off x="4910586" y="2316136"/>
+              <a:ext cx="2370827" cy="523220"/>
+            </a:xfrm>
+            <a:prstGeom prst="rect">
+              <a:avLst/>
+            </a:prstGeom>
+            <a:noFill/>
+          </p:spPr>
+          <p:txBody>
+            <a:bodyPr wrap="square" rtlCol="0">
+              <a:spAutoFit/>
+            </a:bodyPr>
+            <a:lstStyle/>
+            <a:p>
+              <a:pPr algn="ctr"/>
+              <a:r>
+                <a:rPr lang="fr-FR" sz="2800" dirty="0" smtClean="0">
+                  <a:solidFill>
+                    <a:schemeClr val="accent6">
+                      <a:lumMod val="75000"/>
+                    </a:schemeClr>
+                  </a:solidFill>
+                  <a:effectLst>
+                    <a:outerShdw blurRad="38100" dist="38100" dir="2700000" algn="tl">
+                      <a:srgbClr val="000000">
+                        <a:alpha val="43137"/>
+                      </a:srgbClr>
+                    </a:outerShdw>
+                  </a:effectLst>
+                  <a:latin typeface="Gloucester MT Extra Condensed" panose="02030808020601010101" pitchFamily="18" charset="0"/>
+                </a:rPr>
+                <a:t>DEEP LEARNING</a:t>
+              </a:r>
+              <a:endParaRPr lang="fr-FR" sz="2800" dirty="0">
+                <a:solidFill>
+                  <a:schemeClr val="accent6">
+                    <a:lumMod val="75000"/>
+                  </a:schemeClr>
+                </a:solidFill>
+                <a:effectLst>
+                  <a:outerShdw blurRad="38100" dist="38100" dir="2700000" algn="tl">
+                    <a:srgbClr val="000000">
+                      <a:alpha val="43137"/>
+                    </a:srgbClr>
+                  </a:outerShdw>
+                </a:effectLst>
+                <a:latin typeface="Gloucester MT Extra Condensed" panose="02030808020601010101" pitchFamily="18" charset="0"/>
+              </a:endParaRPr>
+            </a:p>
+          </p:txBody>
+        </p:sp>
+      </p:grpSp>
+      <p:sp>
+        <p:nvSpPr>
+          <p:cNvPr id="9" name="Flèche courbée vers la droite 8"/>
+          <p:cNvSpPr/>
+          <p:nvPr/>
+        </p:nvSpPr>
+        <p:spPr>
+          <a:xfrm rot="3171125">
+            <a:off x="3176015" y="2453415"/>
+            <a:ext cx="682752" cy="1365504"/>
+          </a:xfrm>
+          <a:prstGeom prst="curvedRightArrow">
+            <a:avLst/>
+          </a:prstGeom>
+          <a:solidFill>
+            <a:srgbClr val="FF36FF"/>
+          </a:solidFill>
+          <a:ln w="28575">
+            <a:solidFill>
+              <a:srgbClr val="E01C46"/>
+            </a:solidFill>
+          </a:ln>
+          <a:effectLst>
+            <a:outerShdw blurRad="50800" dist="38100" algn="l" rotWithShape="0">
+              <a:prstClr val="black">
+                <a:alpha val="40000"/>
+              </a:prstClr>
+            </a:outerShdw>
+          </a:effectLst>
+        </p:spPr>
+        <p:style>
+          <a:lnRef idx="2">
+            <a:schemeClr val="accent1">
+              <a:shade val="50000"/>
+            </a:schemeClr>
+          </a:lnRef>
+          <a:fillRef idx="1">
+            <a:schemeClr val="accent1"/>
+          </a:fillRef>
+          <a:effectRef idx="0">
+            <a:schemeClr val="accent1"/>
+          </a:effectRef>
+          <a:fontRef idx="minor">
+            <a:schemeClr val="lt1"/>
+          </a:fontRef>
+        </p:style>
+        <p:txBody>
+          <a:bodyPr rtlCol="0" anchor="ctr"/>
+          <a:lstStyle/>
+          <a:p>
+            <a:pPr algn="ctr"/>
+            <a:endParaRPr lang="fr-FR">
+              <a:solidFill>
+                <a:schemeClr val="tx1"/>
+              </a:solidFill>
+            </a:endParaRPr>
+          </a:p>
+        </p:txBody>
+      </p:sp>
+      <p:sp>
+        <p:nvSpPr>
+          <p:cNvPr id="10" name="Flèche courbée vers la droite 9"/>
+          <p:cNvSpPr/>
+          <p:nvPr/>
+        </p:nvSpPr>
+        <p:spPr>
+          <a:xfrm rot="18428875" flipH="1">
+            <a:off x="8333234" y="2451197"/>
+            <a:ext cx="682752" cy="1365504"/>
+          </a:xfrm>
+          <a:prstGeom prst="curvedRightArrow">
+            <a:avLst/>
+          </a:prstGeom>
+          <a:solidFill>
+            <a:srgbClr val="FF36FF"/>
+          </a:solidFill>
+          <a:ln w="28575">
+            <a:solidFill>
+              <a:srgbClr val="E01C46"/>
+            </a:solidFill>
+          </a:ln>
+          <a:effectLst>
+            <a:outerShdw blurRad="50800" dist="38100" dir="10800000" algn="r" rotWithShape="0">
+              <a:prstClr val="black">
+                <a:alpha val="40000"/>
+              </a:prstClr>
+            </a:outerShdw>
+          </a:effectLst>
+        </p:spPr>
+        <p:style>
+          <a:lnRef idx="2">
+            <a:schemeClr val="accent1">
+              <a:shade val="50000"/>
+            </a:schemeClr>
+          </a:lnRef>
+          <a:fillRef idx="1">
+            <a:schemeClr val="accent1"/>
+          </a:fillRef>
+          <a:effectRef idx="0">
+            <a:schemeClr val="accent1"/>
+          </a:effectRef>
+          <a:fontRef idx="minor">
+            <a:schemeClr val="lt1"/>
+          </a:fontRef>
+        </p:style>
+        <p:txBody>
+          <a:bodyPr rtlCol="0" anchor="ctr"/>
+          <a:lstStyle/>
+          <a:p>
+            <a:pPr algn="ctr"/>
+            <a:endParaRPr lang="fr-FR">
+              <a:solidFill>
+                <a:schemeClr val="tx1"/>
+              </a:solidFill>
+            </a:endParaRPr>
+          </a:p>
+        </p:txBody>
+      </p:sp>
+      <p:sp>
+        <p:nvSpPr>
+          <p:cNvPr id="11" name="ZoneTexte 10"/>
+          <p:cNvSpPr txBox="1"/>
+          <p:nvPr/>
+        </p:nvSpPr>
+        <p:spPr>
+          <a:xfrm>
+            <a:off x="761457" y="3046235"/>
+            <a:ext cx="1970785" cy="646331"/>
+          </a:xfrm>
+          <a:prstGeom prst="rect">
+            <a:avLst/>
+          </a:prstGeom>
+          <a:noFill/>
+        </p:spPr>
+        <p:txBody>
+          <a:bodyPr wrap="square" rtlCol="0">
+            <a:spAutoFit/>
+          </a:bodyPr>
+          <a:lstStyle/>
+          <a:p>
+            <a:pPr algn="ctr"/>
+            <a:r>
+              <a:rPr lang="fr-FR" sz="3600" u="sng" dirty="0" smtClean="0">
+                <a:latin typeface="Gloucester MT Extra Condensed" panose="02030808020601010101" pitchFamily="18" charset="0"/>
+              </a:rPr>
+              <a:t>Avantages : </a:t>
+            </a:r>
+            <a:endParaRPr lang="fr-FR" sz="3600" u="sng" dirty="0"/>
+          </a:p>
+        </p:txBody>
+      </p:sp>
+      <p:sp>
+        <p:nvSpPr>
+          <p:cNvPr id="12" name="ZoneTexte 11"/>
+          <p:cNvSpPr txBox="1"/>
+          <p:nvPr/>
+        </p:nvSpPr>
+        <p:spPr>
+          <a:xfrm>
+            <a:off x="9424966" y="3046235"/>
+            <a:ext cx="2131757" cy="646331"/>
+          </a:xfrm>
+          <a:prstGeom prst="rect">
+            <a:avLst/>
+          </a:prstGeom>
+          <a:noFill/>
+        </p:spPr>
+        <p:txBody>
+          <a:bodyPr wrap="square" rtlCol="0">
+            <a:spAutoFit/>
+          </a:bodyPr>
+          <a:lstStyle/>
+          <a:p>
+            <a:pPr algn="ctr"/>
+            <a:r>
+              <a:rPr lang="fr-FR" sz="3600" u="sng" dirty="0" smtClean="0">
+                <a:latin typeface="Gloucester MT Extra Condensed" panose="02030808020601010101" pitchFamily="18" charset="0"/>
+              </a:rPr>
+              <a:t>Inconvénients : </a:t>
+            </a:r>
+            <a:endParaRPr lang="fr-FR" sz="3600" u="sng" dirty="0"/>
+          </a:p>
+        </p:txBody>
+      </p:sp>
+      <p:sp>
+        <p:nvSpPr>
+          <p:cNvPr id="13" name="ZoneTexte 12"/>
+          <p:cNvSpPr txBox="1"/>
+          <p:nvPr/>
+        </p:nvSpPr>
+        <p:spPr>
+          <a:xfrm>
+            <a:off x="8991601" y="3861039"/>
+            <a:ext cx="3200399" cy="1107996"/>
+          </a:xfrm>
+          <a:prstGeom prst="rect">
+            <a:avLst/>
+          </a:prstGeom>
+          <a:noFill/>
+        </p:spPr>
+        <p:txBody>
+          <a:bodyPr wrap="square" rtlCol="0">
+            <a:spAutoFit/>
+          </a:bodyPr>
+          <a:lstStyle/>
+          <a:p>
+            <a:pPr marL="342900" indent="-342900">
+              <a:buFont typeface="Wingdings" panose="05000000000000000000" pitchFamily="2" charset="2"/>
+              <a:buChar char="q"/>
+            </a:pPr>
+            <a:r>
+              <a:rPr lang="fr-FR" sz="2200" dirty="0" smtClean="0">
+                <a:latin typeface="Gloucester MT Extra Condensed" panose="02030808020601010101" pitchFamily="18" charset="0"/>
+              </a:rPr>
+              <a:t>Difficile à mettre en œuvre pour des jeux de plateaux</a:t>
+            </a:r>
+          </a:p>
+          <a:p>
+            <a:pPr marL="342900" indent="-342900">
+              <a:buFont typeface="Wingdings" panose="05000000000000000000" pitchFamily="2" charset="2"/>
+              <a:buChar char="q"/>
+            </a:pPr>
+            <a:r>
+              <a:rPr lang="fr-FR" sz="2200" dirty="0" smtClean="0">
+                <a:latin typeface="Gloucester MT Extra Condensed" panose="02030808020601010101" pitchFamily="18" charset="0"/>
+              </a:rPr>
+              <a:t>Longue mise en place</a:t>
+            </a:r>
+            <a:endParaRPr lang="fr-FR" sz="2200" dirty="0">
+              <a:latin typeface="Gloucester MT Extra Condensed" panose="02030808020601010101" pitchFamily="18" charset="0"/>
+            </a:endParaRPr>
+          </a:p>
+        </p:txBody>
+      </p:sp>
+      <p:sp>
+        <p:nvSpPr>
+          <p:cNvPr id="16" name="ZoneTexte 15"/>
+          <p:cNvSpPr txBox="1"/>
+          <p:nvPr/>
+        </p:nvSpPr>
+        <p:spPr>
+          <a:xfrm>
+            <a:off x="146651" y="3692567"/>
+            <a:ext cx="3200399" cy="1446550"/>
+          </a:xfrm>
+          <a:prstGeom prst="rect">
+            <a:avLst/>
+          </a:prstGeom>
+          <a:noFill/>
+        </p:spPr>
+        <p:txBody>
+          <a:bodyPr wrap="square" rtlCol="0">
+            <a:spAutoFit/>
+          </a:bodyPr>
+          <a:lstStyle/>
+          <a:p>
+            <a:pPr marL="342900" indent="-342900">
+              <a:buFont typeface="Wingdings" panose="05000000000000000000" pitchFamily="2" charset="2"/>
+              <a:buChar char="q"/>
+            </a:pPr>
+            <a:r>
+              <a:rPr lang="fr-FR" sz="2200" dirty="0" smtClean="0">
+                <a:latin typeface="Gloucester MT Extra Condensed" panose="02030808020601010101" pitchFamily="18" charset="0"/>
+              </a:rPr>
+              <a:t>Permet d’obtenir un bot de plus en plus fort </a:t>
+            </a:r>
+          </a:p>
+          <a:p>
+            <a:pPr marL="342900" indent="-342900">
+              <a:buFont typeface="Wingdings" panose="05000000000000000000" pitchFamily="2" charset="2"/>
+              <a:buChar char="q"/>
+            </a:pPr>
+            <a:r>
+              <a:rPr lang="fr-FR" sz="2200" dirty="0" smtClean="0">
+                <a:latin typeface="Gloucester MT Extra Condensed" panose="02030808020601010101" pitchFamily="18" charset="0"/>
+              </a:rPr>
+              <a:t>Apprentissage plus rapide et en autonomie</a:t>
+            </a:r>
+          </a:p>
+        </p:txBody>
+      </p:sp>
+      <p:sp>
+        <p:nvSpPr>
+          <p:cNvPr id="17" name="Flèche vers le bas 16"/>
+          <p:cNvSpPr/>
+          <p:nvPr/>
+        </p:nvSpPr>
+        <p:spPr>
+          <a:xfrm>
+            <a:off x="5869858" y="3903404"/>
+            <a:ext cx="462114" cy="875071"/>
+          </a:xfrm>
+          <a:prstGeom prst="downArrow">
+            <a:avLst>
+              <a:gd name="adj1" fmla="val 50000"/>
+              <a:gd name="adj2" fmla="val 57353"/>
+            </a:avLst>
+          </a:prstGeom>
+          <a:solidFill>
+            <a:srgbClr val="FF36FF"/>
+          </a:solidFill>
+          <a:ln w="38100">
+            <a:solidFill>
+              <a:srgbClr val="E01C46"/>
+            </a:solidFill>
+          </a:ln>
+          <a:effectLst>
+            <a:outerShdw blurRad="50800" dist="38100" dir="16200000" rotWithShape="0">
+              <a:prstClr val="black">
+                <a:alpha val="40000"/>
+              </a:prstClr>
+            </a:outerShdw>
+          </a:effectLst>
+        </p:spPr>
+        <p:style>
+          <a:lnRef idx="2">
+            <a:schemeClr val="accent1">
+              <a:shade val="50000"/>
+            </a:schemeClr>
+          </a:lnRef>
+          <a:fillRef idx="1">
+            <a:schemeClr val="accent1"/>
+          </a:fillRef>
+          <a:effectRef idx="0">
+            <a:schemeClr val="accent1"/>
+          </a:effectRef>
+          <a:fontRef idx="minor">
+            <a:schemeClr val="lt1"/>
+          </a:fontRef>
+        </p:style>
+        <p:txBody>
+          <a:bodyPr rtlCol="0" anchor="ctr"/>
+          <a:lstStyle/>
+          <a:p>
+            <a:pPr algn="ctr"/>
+            <a:endParaRPr lang="fr-FR"/>
+          </a:p>
+        </p:txBody>
+      </p:sp>
+      <p:sp>
+        <p:nvSpPr>
+          <p:cNvPr id="19" name="ZoneTexte 18"/>
+          <p:cNvSpPr txBox="1"/>
+          <p:nvPr/>
+        </p:nvSpPr>
+        <p:spPr>
+          <a:xfrm>
+            <a:off x="4910586" y="4822513"/>
+            <a:ext cx="2370827" cy="523220"/>
+          </a:xfrm>
+          <a:prstGeom prst="rect">
+            <a:avLst/>
+          </a:prstGeom>
+          <a:noFill/>
+        </p:spPr>
+        <p:txBody>
+          <a:bodyPr wrap="square" rtlCol="0">
+            <a:spAutoFit/>
+          </a:bodyPr>
+          <a:lstStyle/>
+          <a:p>
+            <a:pPr algn="ctr"/>
+            <a:r>
+              <a:rPr lang="fr-FR" sz="2800" dirty="0" smtClean="0">
+                <a:solidFill>
+                  <a:schemeClr val="accent6">
+                    <a:lumMod val="75000"/>
+                  </a:schemeClr>
+                </a:solidFill>
+                <a:effectLst>
+                  <a:outerShdw blurRad="38100" dist="38100" dir="2700000" algn="tl">
+                    <a:srgbClr val="000000">
+                      <a:alpha val="43137"/>
+                    </a:srgbClr>
+                  </a:outerShdw>
+                </a:effectLst>
+                <a:latin typeface="Gloucester MT Extra Condensed" panose="02030808020601010101" pitchFamily="18" charset="0"/>
+              </a:rPr>
+              <a:t>IA Matérialiste</a:t>
+            </a:r>
+            <a:endParaRPr lang="fr-FR" sz="2800" dirty="0">
+              <a:solidFill>
+                <a:schemeClr val="accent6">
+                  <a:lumMod val="75000"/>
+                </a:schemeClr>
+              </a:solidFill>
+              <a:effectLst>
+                <a:outerShdw blurRad="38100" dist="38100" dir="2700000" algn="tl">
+                  <a:srgbClr val="000000">
+                    <a:alpha val="43137"/>
+                  </a:srgbClr>
+                </a:outerShdw>
+              </a:effectLst>
+              <a:latin typeface="Gloucester MT Extra Condensed" panose="02030808020601010101" pitchFamily="18" charset="0"/>
+            </a:endParaRPr>
+          </a:p>
+        </p:txBody>
+      </p:sp>
+      <p:sp>
+        <p:nvSpPr>
+          <p:cNvPr id="21" name="ZoneTexte 20"/>
+          <p:cNvSpPr txBox="1"/>
+          <p:nvPr/>
+        </p:nvSpPr>
+        <p:spPr>
+          <a:xfrm>
+            <a:off x="3200398" y="5345733"/>
+            <a:ext cx="2377585" cy="769441"/>
+          </a:xfrm>
+          <a:prstGeom prst="rect">
+            <a:avLst/>
+          </a:prstGeom>
+          <a:noFill/>
+        </p:spPr>
+        <p:txBody>
+          <a:bodyPr wrap="square" rtlCol="0">
+            <a:spAutoFit/>
+          </a:bodyPr>
+          <a:lstStyle/>
+          <a:p>
+            <a:pPr algn="ctr"/>
+            <a:r>
+              <a:rPr lang="fr-FR" sz="2200" dirty="0" smtClean="0">
+                <a:latin typeface="Gloucester MT Extra Condensed" panose="02030808020601010101" pitchFamily="18" charset="0"/>
+              </a:rPr>
+              <a:t>Obtenir des cartes ressources</a:t>
+            </a:r>
+            <a:endParaRPr lang="fr-FR" sz="2200" dirty="0">
+              <a:latin typeface="Gloucester MT Extra Condensed" panose="02030808020601010101" pitchFamily="18" charset="0"/>
+            </a:endParaRPr>
+          </a:p>
+        </p:txBody>
+      </p:sp>
+      <p:sp>
+        <p:nvSpPr>
+          <p:cNvPr id="22" name="ZoneTexte 21"/>
+          <p:cNvSpPr txBox="1"/>
+          <p:nvPr/>
+        </p:nvSpPr>
+        <p:spPr>
+          <a:xfrm>
+            <a:off x="6765322" y="5345733"/>
+            <a:ext cx="2553838" cy="769441"/>
+          </a:xfrm>
+          <a:prstGeom prst="rect">
+            <a:avLst/>
+          </a:prstGeom>
+          <a:noFill/>
+        </p:spPr>
+        <p:txBody>
+          <a:bodyPr wrap="square" rtlCol="0">
+            <a:spAutoFit/>
+          </a:bodyPr>
+          <a:lstStyle/>
+          <a:p>
+            <a:pPr algn="ctr"/>
+            <a:r>
+              <a:rPr lang="fr-FR" sz="2200" dirty="0" smtClean="0">
+                <a:latin typeface="Gloucester MT Extra Condensed" panose="02030808020601010101" pitchFamily="18" charset="0"/>
+              </a:rPr>
+              <a:t>Avancer dans la construction de sa merveille </a:t>
+            </a:r>
+            <a:endParaRPr lang="fr-FR" sz="2200" dirty="0">
+              <a:latin typeface="Gloucester MT Extra Condensed" panose="02030808020601010101" pitchFamily="18" charset="0"/>
+            </a:endParaRPr>
+          </a:p>
+        </p:txBody>
+      </p:sp>
     </p:spTree>
     <p:extLst>
       <p:ext uri="{BB962C8B-B14F-4D97-AF65-F5344CB8AC3E}">
@@ -10790,6 +11742,488 @@
   <p:clrMapOvr>
     <a:masterClrMapping/>
   </p:clrMapOvr>
+  <p:timing>
+    <p:tnLst>
+      <p:par>
+        <p:cTn id="1" dur="indefinite" restart="never" nodeType="tmRoot">
+          <p:childTnLst>
+            <p:seq concurrent="1" nextAc="seek">
+              <p:cTn id="2" dur="indefinite" nodeType="mainSeq">
+                <p:childTnLst>
+                  <p:par>
+                    <p:cTn id="3" fill="hold">
+                      <p:stCondLst>
+                        <p:cond delay="indefinite"/>
+                      </p:stCondLst>
+                      <p:childTnLst>
+                        <p:par>
+                          <p:cTn id="4" fill="hold">
+                            <p:stCondLst>
+                              <p:cond delay="0"/>
+                            </p:stCondLst>
+                            <p:childTnLst>
+                              <p:par>
+                                <p:cTn id="5" presetID="10" presetClass="entr" presetSubtype="0" fill="hold" grpId="0" nodeType="clickEffect">
+                                  <p:stCondLst>
+                                    <p:cond delay="750"/>
+                                  </p:stCondLst>
+                                  <p:childTnLst>
+                                    <p:set>
+                                      <p:cBhvr>
+                                        <p:cTn id="6" dur="1" fill="hold">
+                                          <p:stCondLst>
+                                            <p:cond delay="0"/>
+                                          </p:stCondLst>
+                                        </p:cTn>
+                                        <p:tgtEl>
+                                          <p:spTgt spid="9"/>
+                                        </p:tgtEl>
+                                        <p:attrNameLst>
+                                          <p:attrName>style.visibility</p:attrName>
+                                        </p:attrNameLst>
+                                      </p:cBhvr>
+                                      <p:to>
+                                        <p:strVal val="visible"/>
+                                      </p:to>
+                                    </p:set>
+                                    <p:animEffect transition="in" filter="fade">
+                                      <p:cBhvr>
+                                        <p:cTn id="7" dur="500"/>
+                                        <p:tgtEl>
+                                          <p:spTgt spid="9"/>
+                                        </p:tgtEl>
+                                      </p:cBhvr>
+                                    </p:animEffect>
+                                  </p:childTnLst>
+                                </p:cTn>
+                              </p:par>
+                              <p:par>
+                                <p:cTn id="8" presetID="10" presetClass="entr" presetSubtype="0" fill="hold" grpId="0" nodeType="withEffect">
+                                  <p:stCondLst>
+                                    <p:cond delay="750"/>
+                                  </p:stCondLst>
+                                  <p:childTnLst>
+                                    <p:set>
+                                      <p:cBhvr>
+                                        <p:cTn id="9" dur="1" fill="hold">
+                                          <p:stCondLst>
+                                            <p:cond delay="0"/>
+                                          </p:stCondLst>
+                                        </p:cTn>
+                                        <p:tgtEl>
+                                          <p:spTgt spid="11"/>
+                                        </p:tgtEl>
+                                        <p:attrNameLst>
+                                          <p:attrName>style.visibility</p:attrName>
+                                        </p:attrNameLst>
+                                      </p:cBhvr>
+                                      <p:to>
+                                        <p:strVal val="visible"/>
+                                      </p:to>
+                                    </p:set>
+                                    <p:animEffect transition="in" filter="fade">
+                                      <p:cBhvr>
+                                        <p:cTn id="10" dur="500"/>
+                                        <p:tgtEl>
+                                          <p:spTgt spid="11"/>
+                                        </p:tgtEl>
+                                      </p:cBhvr>
+                                    </p:animEffect>
+                                  </p:childTnLst>
+                                </p:cTn>
+                              </p:par>
+                              <p:par>
+                                <p:cTn id="11" presetID="10" presetClass="entr" presetSubtype="0" fill="hold" grpId="0" nodeType="withEffect">
+                                  <p:stCondLst>
+                                    <p:cond delay="750"/>
+                                  </p:stCondLst>
+                                  <p:childTnLst>
+                                    <p:set>
+                                      <p:cBhvr>
+                                        <p:cTn id="12" dur="1" fill="hold">
+                                          <p:stCondLst>
+                                            <p:cond delay="0"/>
+                                          </p:stCondLst>
+                                        </p:cTn>
+                                        <p:tgtEl>
+                                          <p:spTgt spid="16"/>
+                                        </p:tgtEl>
+                                        <p:attrNameLst>
+                                          <p:attrName>style.visibility</p:attrName>
+                                        </p:attrNameLst>
+                                      </p:cBhvr>
+                                      <p:to>
+                                        <p:strVal val="visible"/>
+                                      </p:to>
+                                    </p:set>
+                                    <p:animEffect transition="in" filter="fade">
+                                      <p:cBhvr>
+                                        <p:cTn id="13" dur="500"/>
+                                        <p:tgtEl>
+                                          <p:spTgt spid="16"/>
+                                        </p:tgtEl>
+                                      </p:cBhvr>
+                                    </p:animEffect>
+                                  </p:childTnLst>
+                                </p:cTn>
+                              </p:par>
+                            </p:childTnLst>
+                          </p:cTn>
+                        </p:par>
+                      </p:childTnLst>
+                    </p:cTn>
+                  </p:par>
+                  <p:par>
+                    <p:cTn id="14" fill="hold">
+                      <p:stCondLst>
+                        <p:cond delay="indefinite"/>
+                      </p:stCondLst>
+                      <p:childTnLst>
+                        <p:par>
+                          <p:cTn id="15" fill="hold">
+                            <p:stCondLst>
+                              <p:cond delay="0"/>
+                            </p:stCondLst>
+                            <p:childTnLst>
+                              <p:par>
+                                <p:cTn id="16" presetID="10" presetClass="entr" presetSubtype="0" fill="hold" grpId="0" nodeType="clickEffect">
+                                  <p:stCondLst>
+                                    <p:cond delay="750"/>
+                                  </p:stCondLst>
+                                  <p:childTnLst>
+                                    <p:set>
+                                      <p:cBhvr>
+                                        <p:cTn id="17" dur="1" fill="hold">
+                                          <p:stCondLst>
+                                            <p:cond delay="0"/>
+                                          </p:stCondLst>
+                                        </p:cTn>
+                                        <p:tgtEl>
+                                          <p:spTgt spid="10"/>
+                                        </p:tgtEl>
+                                        <p:attrNameLst>
+                                          <p:attrName>style.visibility</p:attrName>
+                                        </p:attrNameLst>
+                                      </p:cBhvr>
+                                      <p:to>
+                                        <p:strVal val="visible"/>
+                                      </p:to>
+                                    </p:set>
+                                    <p:animEffect transition="in" filter="fade">
+                                      <p:cBhvr>
+                                        <p:cTn id="18" dur="500"/>
+                                        <p:tgtEl>
+                                          <p:spTgt spid="10"/>
+                                        </p:tgtEl>
+                                      </p:cBhvr>
+                                    </p:animEffect>
+                                  </p:childTnLst>
+                                </p:cTn>
+                              </p:par>
+                              <p:par>
+                                <p:cTn id="19" presetID="10" presetClass="entr" presetSubtype="0" fill="hold" grpId="0" nodeType="withEffect">
+                                  <p:stCondLst>
+                                    <p:cond delay="750"/>
+                                  </p:stCondLst>
+                                  <p:childTnLst>
+                                    <p:set>
+                                      <p:cBhvr>
+                                        <p:cTn id="20" dur="1" fill="hold">
+                                          <p:stCondLst>
+                                            <p:cond delay="0"/>
+                                          </p:stCondLst>
+                                        </p:cTn>
+                                        <p:tgtEl>
+                                          <p:spTgt spid="12"/>
+                                        </p:tgtEl>
+                                        <p:attrNameLst>
+                                          <p:attrName>style.visibility</p:attrName>
+                                        </p:attrNameLst>
+                                      </p:cBhvr>
+                                      <p:to>
+                                        <p:strVal val="visible"/>
+                                      </p:to>
+                                    </p:set>
+                                    <p:animEffect transition="in" filter="fade">
+                                      <p:cBhvr>
+                                        <p:cTn id="21" dur="500"/>
+                                        <p:tgtEl>
+                                          <p:spTgt spid="12"/>
+                                        </p:tgtEl>
+                                      </p:cBhvr>
+                                    </p:animEffect>
+                                  </p:childTnLst>
+                                </p:cTn>
+                              </p:par>
+                              <p:par>
+                                <p:cTn id="22" presetID="10" presetClass="entr" presetSubtype="0" fill="hold" grpId="0" nodeType="withEffect">
+                                  <p:stCondLst>
+                                    <p:cond delay="750"/>
+                                  </p:stCondLst>
+                                  <p:childTnLst>
+                                    <p:set>
+                                      <p:cBhvr>
+                                        <p:cTn id="23" dur="1" fill="hold">
+                                          <p:stCondLst>
+                                            <p:cond delay="0"/>
+                                          </p:stCondLst>
+                                        </p:cTn>
+                                        <p:tgtEl>
+                                          <p:spTgt spid="13"/>
+                                        </p:tgtEl>
+                                        <p:attrNameLst>
+                                          <p:attrName>style.visibility</p:attrName>
+                                        </p:attrNameLst>
+                                      </p:cBhvr>
+                                      <p:to>
+                                        <p:strVal val="visible"/>
+                                      </p:to>
+                                    </p:set>
+                                    <p:animEffect transition="in" filter="fade">
+                                      <p:cBhvr>
+                                        <p:cTn id="24" dur="500"/>
+                                        <p:tgtEl>
+                                          <p:spTgt spid="13"/>
+                                        </p:tgtEl>
+                                      </p:cBhvr>
+                                    </p:animEffect>
+                                  </p:childTnLst>
+                                </p:cTn>
+                              </p:par>
+                            </p:childTnLst>
+                          </p:cTn>
+                        </p:par>
+                      </p:childTnLst>
+                    </p:cTn>
+                  </p:par>
+                  <p:par>
+                    <p:cTn id="25" fill="hold">
+                      <p:stCondLst>
+                        <p:cond delay="indefinite"/>
+                      </p:stCondLst>
+                      <p:childTnLst>
+                        <p:par>
+                          <p:cTn id="26" fill="hold">
+                            <p:stCondLst>
+                              <p:cond delay="0"/>
+                            </p:stCondLst>
+                            <p:childTnLst>
+                              <p:par>
+                                <p:cTn id="27" presetID="10" presetClass="entr" presetSubtype="0" fill="hold" grpId="0" nodeType="clickEffect">
+                                  <p:stCondLst>
+                                    <p:cond delay="750"/>
+                                  </p:stCondLst>
+                                  <p:childTnLst>
+                                    <p:set>
+                                      <p:cBhvr>
+                                        <p:cTn id="28" dur="1" fill="hold">
+                                          <p:stCondLst>
+                                            <p:cond delay="0"/>
+                                          </p:stCondLst>
+                                        </p:cTn>
+                                        <p:tgtEl>
+                                          <p:spTgt spid="17"/>
+                                        </p:tgtEl>
+                                        <p:attrNameLst>
+                                          <p:attrName>style.visibility</p:attrName>
+                                        </p:attrNameLst>
+                                      </p:cBhvr>
+                                      <p:to>
+                                        <p:strVal val="visible"/>
+                                      </p:to>
+                                    </p:set>
+                                    <p:animEffect transition="in" filter="fade">
+                                      <p:cBhvr>
+                                        <p:cTn id="29" dur="500"/>
+                                        <p:tgtEl>
+                                          <p:spTgt spid="17"/>
+                                        </p:tgtEl>
+                                      </p:cBhvr>
+                                    </p:animEffect>
+                                  </p:childTnLst>
+                                </p:cTn>
+                              </p:par>
+                              <p:par>
+                                <p:cTn id="30" presetID="10" presetClass="entr" presetSubtype="0" fill="hold" grpId="0" nodeType="withEffect">
+                                  <p:stCondLst>
+                                    <p:cond delay="750"/>
+                                  </p:stCondLst>
+                                  <p:childTnLst>
+                                    <p:set>
+                                      <p:cBhvr>
+                                        <p:cTn id="31" dur="1" fill="hold">
+                                          <p:stCondLst>
+                                            <p:cond delay="0"/>
+                                          </p:stCondLst>
+                                        </p:cTn>
+                                        <p:tgtEl>
+                                          <p:spTgt spid="19"/>
+                                        </p:tgtEl>
+                                        <p:attrNameLst>
+                                          <p:attrName>style.visibility</p:attrName>
+                                        </p:attrNameLst>
+                                      </p:cBhvr>
+                                      <p:to>
+                                        <p:strVal val="visible"/>
+                                      </p:to>
+                                    </p:set>
+                                    <p:animEffect transition="in" filter="fade">
+                                      <p:cBhvr>
+                                        <p:cTn id="32" dur="500"/>
+                                        <p:tgtEl>
+                                          <p:spTgt spid="19"/>
+                                        </p:tgtEl>
+                                      </p:cBhvr>
+                                    </p:animEffect>
+                                  </p:childTnLst>
+                                </p:cTn>
+                              </p:par>
+                            </p:childTnLst>
+                          </p:cTn>
+                        </p:par>
+                      </p:childTnLst>
+                    </p:cTn>
+                  </p:par>
+                  <p:par>
+                    <p:cTn id="33" fill="hold">
+                      <p:stCondLst>
+                        <p:cond delay="indefinite"/>
+                      </p:stCondLst>
+                      <p:childTnLst>
+                        <p:par>
+                          <p:cTn id="34" fill="hold">
+                            <p:stCondLst>
+                              <p:cond delay="0"/>
+                            </p:stCondLst>
+                            <p:childTnLst>
+                              <p:par>
+                                <p:cTn id="35" presetID="10" presetClass="entr" presetSubtype="0" fill="hold" grpId="0" nodeType="clickEffect">
+                                  <p:stCondLst>
+                                    <p:cond delay="500"/>
+                                  </p:stCondLst>
+                                  <p:childTnLst>
+                                    <p:set>
+                                      <p:cBhvr>
+                                        <p:cTn id="36" dur="1" fill="hold">
+                                          <p:stCondLst>
+                                            <p:cond delay="0"/>
+                                          </p:stCondLst>
+                                        </p:cTn>
+                                        <p:tgtEl>
+                                          <p:spTgt spid="21"/>
+                                        </p:tgtEl>
+                                        <p:attrNameLst>
+                                          <p:attrName>style.visibility</p:attrName>
+                                        </p:attrNameLst>
+                                      </p:cBhvr>
+                                      <p:to>
+                                        <p:strVal val="visible"/>
+                                      </p:to>
+                                    </p:set>
+                                    <p:animEffect transition="in" filter="fade">
+                                      <p:cBhvr>
+                                        <p:cTn id="37" dur="500"/>
+                                        <p:tgtEl>
+                                          <p:spTgt spid="21"/>
+                                        </p:tgtEl>
+                                      </p:cBhvr>
+                                    </p:animEffect>
+                                  </p:childTnLst>
+                                </p:cTn>
+                              </p:par>
+                            </p:childTnLst>
+                          </p:cTn>
+                        </p:par>
+                      </p:childTnLst>
+                    </p:cTn>
+                  </p:par>
+                  <p:par>
+                    <p:cTn id="38" fill="hold">
+                      <p:stCondLst>
+                        <p:cond delay="indefinite"/>
+                      </p:stCondLst>
+                      <p:childTnLst>
+                        <p:par>
+                          <p:cTn id="39" fill="hold">
+                            <p:stCondLst>
+                              <p:cond delay="0"/>
+                            </p:stCondLst>
+                            <p:childTnLst>
+                              <p:par>
+                                <p:cTn id="40" presetID="10" presetClass="entr" presetSubtype="0" fill="hold" grpId="0" nodeType="clickEffect">
+                                  <p:stCondLst>
+                                    <p:cond delay="500"/>
+                                  </p:stCondLst>
+                                  <p:childTnLst>
+                                    <p:set>
+                                      <p:cBhvr>
+                                        <p:cTn id="41" dur="1" fill="hold">
+                                          <p:stCondLst>
+                                            <p:cond delay="0"/>
+                                          </p:stCondLst>
+                                        </p:cTn>
+                                        <p:tgtEl>
+                                          <p:spTgt spid="22"/>
+                                        </p:tgtEl>
+                                        <p:attrNameLst>
+                                          <p:attrName>style.visibility</p:attrName>
+                                        </p:attrNameLst>
+                                      </p:cBhvr>
+                                      <p:to>
+                                        <p:strVal val="visible"/>
+                                      </p:to>
+                                    </p:set>
+                                    <p:animEffect transition="in" filter="fade">
+                                      <p:cBhvr>
+                                        <p:cTn id="42" dur="500"/>
+                                        <p:tgtEl>
+                                          <p:spTgt spid="22"/>
+                                        </p:tgtEl>
+                                      </p:cBhvr>
+                                    </p:animEffect>
+                                  </p:childTnLst>
+                                </p:cTn>
+                              </p:par>
+                            </p:childTnLst>
+                          </p:cTn>
+                        </p:par>
+                      </p:childTnLst>
+                    </p:cTn>
+                  </p:par>
+                </p:childTnLst>
+              </p:cTn>
+              <p:prevCondLst>
+                <p:cond evt="onPrev" delay="0">
+                  <p:tgtEl>
+                    <p:sldTgt/>
+                  </p:tgtEl>
+                </p:cond>
+              </p:prevCondLst>
+              <p:nextCondLst>
+                <p:cond evt="onNext" delay="0">
+                  <p:tgtEl>
+                    <p:sldTgt/>
+                  </p:tgtEl>
+                </p:cond>
+              </p:nextCondLst>
+            </p:seq>
+          </p:childTnLst>
+        </p:cTn>
+      </p:par>
+    </p:tnLst>
+    <p:bldLst>
+      <p:bldP spid="9" grpId="0" animBg="1"/>
+      <p:bldP spid="10" grpId="0" animBg="1"/>
+      <p:bldP spid="11" grpId="0"/>
+      <p:bldP spid="12" grpId="0"/>
+      <p:bldP spid="13" grpId="0"/>
+      <p:bldP spid="16" grpId="0"/>
+      <p:bldP spid="17" grpId="0" animBg="1"/>
+      <p:bldP spid="19" grpId="0"/>
+      <p:bldP spid="21" grpId="0"/>
+      <p:bldP spid="22" grpId="0"/>
+    </p:bldLst>
+  </p:timing>
 </p:sld>
 </file>
 
@@ -10812,6 +12246,587 @@
       </p:grpSpPr>
       <p:sp>
         <p:nvSpPr>
+          <p:cNvPr id="3" name="Espace réservé du numéro de diapositive 2"/>
+          <p:cNvSpPr>
+            <a:spLocks noGrp="1"/>
+          </p:cNvSpPr>
+          <p:nvPr>
+            <p:ph type="sldNum" sz="quarter" idx="12"/>
+          </p:nvPr>
+        </p:nvSpPr>
+        <p:spPr/>
+        <p:txBody>
+          <a:bodyPr/>
+          <a:lstStyle/>
+          <a:p>
+            <a:fld id="{E8AA1950-D717-41EC-A99F-157F63DC114A}" type="slidenum">
+              <a:rPr lang="fr-FR" smtClean="0"/>
+              <a:pPr/>
+              <a:t>6</a:t>
+            </a:fld>
+            <a:endParaRPr lang="fr-FR"/>
+          </a:p>
+        </p:txBody>
+      </p:sp>
+      <p:sp>
+        <p:nvSpPr>
+          <p:cNvPr id="4" name="Rectangle à coins arrondis 3"/>
+          <p:cNvSpPr/>
+          <p:nvPr/>
+        </p:nvSpPr>
+        <p:spPr>
+          <a:xfrm>
+            <a:off x="786580" y="2476497"/>
+            <a:ext cx="2753033" cy="3539613"/>
+          </a:xfrm>
+          <a:prstGeom prst="roundRect">
+            <a:avLst/>
+          </a:prstGeom>
+          <a:noFill/>
+        </p:spPr>
+        <p:style>
+          <a:lnRef idx="2">
+            <a:schemeClr val="accent1">
+              <a:shade val="50000"/>
+            </a:schemeClr>
+          </a:lnRef>
+          <a:fillRef idx="1">
+            <a:schemeClr val="accent1"/>
+          </a:fillRef>
+          <a:effectRef idx="0">
+            <a:schemeClr val="accent1"/>
+          </a:effectRef>
+          <a:fontRef idx="minor">
+            <a:schemeClr val="lt1"/>
+          </a:fontRef>
+        </p:style>
+        <p:txBody>
+          <a:bodyPr rtlCol="0" anchor="ctr"/>
+          <a:lstStyle/>
+          <a:p>
+            <a:pPr algn="ctr"/>
+            <a:endParaRPr lang="fr-FR"/>
+          </a:p>
+        </p:txBody>
+      </p:sp>
+      <p:sp>
+        <p:nvSpPr>
+          <p:cNvPr id="7" name="ZoneTexte 6"/>
+          <p:cNvSpPr txBox="1"/>
+          <p:nvPr/>
+        </p:nvSpPr>
+        <p:spPr>
+          <a:xfrm>
+            <a:off x="3637936" y="1199880"/>
+            <a:ext cx="4916129" cy="461665"/>
+          </a:xfrm>
+          <a:prstGeom prst="rect">
+            <a:avLst/>
+          </a:prstGeom>
+          <a:noFill/>
+        </p:spPr>
+        <p:txBody>
+          <a:bodyPr wrap="square" rtlCol="0">
+            <a:spAutoFit/>
+          </a:bodyPr>
+          <a:lstStyle/>
+          <a:p>
+            <a:pPr algn="ctr"/>
+            <a:r>
+              <a:rPr lang="fr-FR" sz="2400" dirty="0" smtClean="0">
+                <a:solidFill>
+                  <a:srgbClr val="FF0000"/>
+                </a:solidFill>
+                <a:latin typeface="Gloucester MT Extra Condensed" panose="02030808020601010101" pitchFamily="18" charset="0"/>
+              </a:rPr>
+              <a:t>Fonction : </a:t>
+            </a:r>
+            <a:r>
+              <a:rPr lang="fr-FR" sz="2400" dirty="0" err="1" smtClean="0">
+                <a:solidFill>
+                  <a:srgbClr val="FF0000"/>
+                </a:solidFill>
+                <a:latin typeface="Gloucester MT Extra Condensed" panose="02030808020601010101" pitchFamily="18" charset="0"/>
+              </a:rPr>
+              <a:t>chooseBestAction</a:t>
+            </a:r>
+            <a:endParaRPr lang="fr-FR" sz="2400" dirty="0">
+              <a:solidFill>
+                <a:srgbClr val="FF0000"/>
+              </a:solidFill>
+              <a:latin typeface="Gloucester MT Extra Condensed" panose="02030808020601010101" pitchFamily="18" charset="0"/>
+            </a:endParaRPr>
+          </a:p>
+        </p:txBody>
+      </p:sp>
+      <p:sp>
+        <p:nvSpPr>
+          <p:cNvPr id="8" name="ZoneTexte 7"/>
+          <p:cNvSpPr txBox="1"/>
+          <p:nvPr/>
+        </p:nvSpPr>
+        <p:spPr>
+          <a:xfrm>
+            <a:off x="506360" y="2076387"/>
+            <a:ext cx="3313471" cy="400110"/>
+          </a:xfrm>
+          <a:prstGeom prst="rect">
+            <a:avLst/>
+          </a:prstGeom>
+          <a:noFill/>
+        </p:spPr>
+        <p:txBody>
+          <a:bodyPr wrap="square" rtlCol="0">
+            <a:spAutoFit/>
+          </a:bodyPr>
+          <a:lstStyle/>
+          <a:p>
+            <a:pPr algn="ctr"/>
+            <a:r>
+              <a:rPr lang="fr-FR" sz="2000" dirty="0" smtClean="0">
+                <a:latin typeface="Gloucester MT Extra Condensed" panose="02030808020601010101" pitchFamily="18" charset="0"/>
+              </a:rPr>
+              <a:t>Si pas de ressources dans le Deck du joueur</a:t>
+            </a:r>
+            <a:endParaRPr lang="fr-FR" sz="2000" dirty="0">
+              <a:latin typeface="Gloucester MT Extra Condensed" panose="02030808020601010101" pitchFamily="18" charset="0"/>
+            </a:endParaRPr>
+          </a:p>
+        </p:txBody>
+      </p:sp>
+      <p:sp>
+        <p:nvSpPr>
+          <p:cNvPr id="11" name="Titre 1">
+            <a:extLst>
+              <a:ext uri="{FF2B5EF4-FFF2-40B4-BE49-F238E27FC236}">
+                <a16:creationId xmlns:a16="http://schemas.microsoft.com/office/drawing/2014/main" id="{188848C8-BB7A-377E-2A32-2750F27C3F79}"/>
+              </a:ext>
+            </a:extLst>
+          </p:cNvPr>
+          <p:cNvSpPr>
+            <a:spLocks noGrp="1"/>
+          </p:cNvSpPr>
+          <p:nvPr>
+            <p:ph type="title"/>
+          </p:nvPr>
+        </p:nvSpPr>
+        <p:spPr>
+          <a:xfrm>
+            <a:off x="2946123" y="172270"/>
+            <a:ext cx="8610600" cy="1293028"/>
+          </a:xfrm>
+        </p:spPr>
+        <p:txBody>
+          <a:bodyPr/>
+          <a:lstStyle/>
+          <a:p>
+            <a:r>
+              <a:rPr lang="fr-FR" dirty="0">
+                <a:latin typeface="Gloucester MT Extra Condensed" panose="02030808020601010101" pitchFamily="18" charset="0"/>
+              </a:rPr>
+              <a:t> Implémentation d’une IA / programme</a:t>
+            </a:r>
+          </a:p>
+        </p:txBody>
+      </p:sp>
+      <p:sp>
+        <p:nvSpPr>
+          <p:cNvPr id="12" name="ZoneTexte 11"/>
+          <p:cNvSpPr txBox="1"/>
+          <p:nvPr/>
+        </p:nvSpPr>
+        <p:spPr>
+          <a:xfrm>
+            <a:off x="3620728" y="6411066"/>
+            <a:ext cx="4950544" cy="430887"/>
+          </a:xfrm>
+          <a:prstGeom prst="rect">
+            <a:avLst/>
+          </a:prstGeom>
+          <a:noFill/>
+        </p:spPr>
+        <p:txBody>
+          <a:bodyPr wrap="square" rtlCol="0">
+            <a:spAutoFit/>
+          </a:bodyPr>
+          <a:lstStyle/>
+          <a:p>
+            <a:pPr algn="ctr"/>
+            <a:r>
+              <a:rPr lang="fr-FR" sz="2200" dirty="0" smtClean="0">
+                <a:latin typeface="Gloucester MT Extra Condensed" panose="02030808020601010101" pitchFamily="18" charset="0"/>
+              </a:rPr>
+              <a:t>Fonction permettant de faire le meilleur choix possible</a:t>
+            </a:r>
+            <a:endParaRPr lang="fr-FR" sz="2200" dirty="0">
+              <a:latin typeface="Gloucester MT Extra Condensed" panose="02030808020601010101" pitchFamily="18" charset="0"/>
+            </a:endParaRPr>
+          </a:p>
+        </p:txBody>
+      </p:sp>
+      <p:sp>
+        <p:nvSpPr>
+          <p:cNvPr id="13" name="Rectangle à coins arrondis 12"/>
+          <p:cNvSpPr/>
+          <p:nvPr/>
+        </p:nvSpPr>
+        <p:spPr>
+          <a:xfrm>
+            <a:off x="4723171" y="2476497"/>
+            <a:ext cx="2753033" cy="3539613"/>
+          </a:xfrm>
+          <a:prstGeom prst="roundRect">
+            <a:avLst/>
+          </a:prstGeom>
+          <a:noFill/>
+        </p:spPr>
+        <p:style>
+          <a:lnRef idx="2">
+            <a:schemeClr val="accent1">
+              <a:shade val="50000"/>
+            </a:schemeClr>
+          </a:lnRef>
+          <a:fillRef idx="1">
+            <a:schemeClr val="accent1"/>
+          </a:fillRef>
+          <a:effectRef idx="0">
+            <a:schemeClr val="accent1"/>
+          </a:effectRef>
+          <a:fontRef idx="minor">
+            <a:schemeClr val="lt1"/>
+          </a:fontRef>
+        </p:style>
+        <p:txBody>
+          <a:bodyPr rtlCol="0" anchor="ctr"/>
+          <a:lstStyle/>
+          <a:p>
+            <a:pPr algn="ctr"/>
+            <a:endParaRPr lang="fr-FR"/>
+          </a:p>
+        </p:txBody>
+      </p:sp>
+      <p:sp>
+        <p:nvSpPr>
+          <p:cNvPr id="14" name="Rectangle à coins arrondis 13"/>
+          <p:cNvSpPr/>
+          <p:nvPr/>
+        </p:nvSpPr>
+        <p:spPr>
+          <a:xfrm>
+            <a:off x="8659762" y="2476497"/>
+            <a:ext cx="2753033" cy="3539613"/>
+          </a:xfrm>
+          <a:prstGeom prst="roundRect">
+            <a:avLst/>
+          </a:prstGeom>
+          <a:noFill/>
+        </p:spPr>
+        <p:style>
+          <a:lnRef idx="2">
+            <a:schemeClr val="accent1">
+              <a:shade val="50000"/>
+            </a:schemeClr>
+          </a:lnRef>
+          <a:fillRef idx="1">
+            <a:schemeClr val="accent1"/>
+          </a:fillRef>
+          <a:effectRef idx="0">
+            <a:schemeClr val="accent1"/>
+          </a:effectRef>
+          <a:fontRef idx="minor">
+            <a:schemeClr val="lt1"/>
+          </a:fontRef>
+        </p:style>
+        <p:txBody>
+          <a:bodyPr rtlCol="0" anchor="ctr"/>
+          <a:lstStyle/>
+          <a:p>
+            <a:pPr algn="ctr"/>
+            <a:endParaRPr lang="fr-FR"/>
+          </a:p>
+        </p:txBody>
+      </p:sp>
+      <p:sp>
+        <p:nvSpPr>
+          <p:cNvPr id="15" name="ZoneTexte 14"/>
+          <p:cNvSpPr txBox="1"/>
+          <p:nvPr/>
+        </p:nvSpPr>
+        <p:spPr>
+          <a:xfrm>
+            <a:off x="4439264" y="1785022"/>
+            <a:ext cx="3313471" cy="707886"/>
+          </a:xfrm>
+          <a:prstGeom prst="rect">
+            <a:avLst/>
+          </a:prstGeom>
+          <a:noFill/>
+        </p:spPr>
+        <p:txBody>
+          <a:bodyPr wrap="square" rtlCol="0">
+            <a:spAutoFit/>
+          </a:bodyPr>
+          <a:lstStyle/>
+          <a:p>
+            <a:pPr algn="ctr"/>
+            <a:r>
+              <a:rPr lang="fr-FR" sz="2000" dirty="0" smtClean="0">
+                <a:latin typeface="Gloucester MT Extra Condensed" panose="02030808020601010101" pitchFamily="18" charset="0"/>
+              </a:rPr>
+              <a:t>Si la prochaine construction nécessite deux ressources identiques </a:t>
+            </a:r>
+            <a:endParaRPr lang="fr-FR" sz="2000" dirty="0">
+              <a:latin typeface="Gloucester MT Extra Condensed" panose="02030808020601010101" pitchFamily="18" charset="0"/>
+            </a:endParaRPr>
+          </a:p>
+        </p:txBody>
+      </p:sp>
+      <p:sp>
+        <p:nvSpPr>
+          <p:cNvPr id="16" name="ZoneTexte 15"/>
+          <p:cNvSpPr txBox="1"/>
+          <p:nvPr/>
+        </p:nvSpPr>
+        <p:spPr>
+          <a:xfrm>
+            <a:off x="8379542" y="1785022"/>
+            <a:ext cx="3313471" cy="707886"/>
+          </a:xfrm>
+          <a:prstGeom prst="rect">
+            <a:avLst/>
+          </a:prstGeom>
+          <a:noFill/>
+        </p:spPr>
+        <p:txBody>
+          <a:bodyPr wrap="square" rtlCol="0">
+            <a:spAutoFit/>
+          </a:bodyPr>
+          <a:lstStyle/>
+          <a:p>
+            <a:pPr algn="ctr"/>
+            <a:r>
+              <a:rPr lang="fr-FR" sz="2000" dirty="0" smtClean="0">
+                <a:latin typeface="Gloucester MT Extra Condensed" panose="02030808020601010101" pitchFamily="18" charset="0"/>
+              </a:rPr>
+              <a:t>Si la prochaine construction nécessite deux ressources différentes </a:t>
+            </a:r>
+            <a:endParaRPr lang="fr-FR" sz="2000" dirty="0">
+              <a:latin typeface="Gloucester MT Extra Condensed" panose="02030808020601010101" pitchFamily="18" charset="0"/>
+            </a:endParaRPr>
+          </a:p>
+        </p:txBody>
+      </p:sp>
+      <p:sp>
+        <p:nvSpPr>
+          <p:cNvPr id="17" name="ZoneTexte 16"/>
+          <p:cNvSpPr txBox="1"/>
+          <p:nvPr/>
+        </p:nvSpPr>
+        <p:spPr>
+          <a:xfrm>
+            <a:off x="1484055" y="5958415"/>
+            <a:ext cx="1358080" cy="523220"/>
+          </a:xfrm>
+          <a:prstGeom prst="rect">
+            <a:avLst/>
+          </a:prstGeom>
+          <a:noFill/>
+        </p:spPr>
+        <p:txBody>
+          <a:bodyPr wrap="square" rtlCol="0">
+            <a:spAutoFit/>
+          </a:bodyPr>
+          <a:lstStyle/>
+          <a:p>
+            <a:pPr algn="ctr"/>
+            <a:r>
+              <a:rPr lang="fr-FR" sz="2800" b="1" dirty="0" smtClean="0"/>
+              <a:t>1</a:t>
+            </a:r>
+            <a:endParaRPr lang="fr-FR" sz="2800" b="1" dirty="0"/>
+          </a:p>
+        </p:txBody>
+      </p:sp>
+      <p:sp>
+        <p:nvSpPr>
+          <p:cNvPr id="18" name="ZoneTexte 17"/>
+          <p:cNvSpPr txBox="1"/>
+          <p:nvPr/>
+        </p:nvSpPr>
+        <p:spPr>
+          <a:xfrm>
+            <a:off x="5416959" y="5940671"/>
+            <a:ext cx="1358080" cy="523220"/>
+          </a:xfrm>
+          <a:prstGeom prst="rect">
+            <a:avLst/>
+          </a:prstGeom>
+          <a:noFill/>
+        </p:spPr>
+        <p:txBody>
+          <a:bodyPr wrap="square" rtlCol="0">
+            <a:spAutoFit/>
+          </a:bodyPr>
+          <a:lstStyle/>
+          <a:p>
+            <a:pPr algn="ctr"/>
+            <a:r>
+              <a:rPr lang="fr-FR" sz="2800" b="1" dirty="0"/>
+              <a:t>2</a:t>
+            </a:r>
+            <a:endParaRPr lang="fr-FR" sz="2800" b="1" dirty="0"/>
+          </a:p>
+        </p:txBody>
+      </p:sp>
+      <p:sp>
+        <p:nvSpPr>
+          <p:cNvPr id="19" name="ZoneTexte 18"/>
+          <p:cNvSpPr txBox="1"/>
+          <p:nvPr/>
+        </p:nvSpPr>
+        <p:spPr>
+          <a:xfrm>
+            <a:off x="9357237" y="5940671"/>
+            <a:ext cx="1358080" cy="523220"/>
+          </a:xfrm>
+          <a:prstGeom prst="rect">
+            <a:avLst/>
+          </a:prstGeom>
+          <a:noFill/>
+        </p:spPr>
+        <p:txBody>
+          <a:bodyPr wrap="square" rtlCol="0">
+            <a:spAutoFit/>
+          </a:bodyPr>
+          <a:lstStyle/>
+          <a:p>
+            <a:pPr algn="ctr"/>
+            <a:r>
+              <a:rPr lang="fr-FR" sz="2800" b="1" dirty="0" smtClean="0"/>
+              <a:t>3</a:t>
+            </a:r>
+            <a:endParaRPr lang="fr-FR" sz="2800" b="1" dirty="0"/>
+          </a:p>
+        </p:txBody>
+      </p:sp>
+    </p:spTree>
+    <p:extLst>
+      <p:ext uri="{BB962C8B-B14F-4D97-AF65-F5344CB8AC3E}">
+        <p14:creationId xmlns:p14="http://schemas.microsoft.com/office/powerpoint/2010/main" val="508470960"/>
+      </p:ext>
+    </p:extLst>
+  </p:cSld>
+  <p:clrMapOvr>
+    <a:masterClrMapping/>
+  </p:clrMapOvr>
+  <p:timing>
+    <p:tnLst>
+      <p:par>
+        <p:cTn id="1" dur="indefinite" restart="never" nodeType="tmRoot">
+          <p:childTnLst>
+            <p:seq concurrent="1" nextAc="seek">
+              <p:cTn id="2" dur="indefinite" nodeType="mainSeq">
+                <p:childTnLst>
+                  <p:par>
+                    <p:cTn id="3" fill="hold">
+                      <p:stCondLst>
+                        <p:cond delay="indefinite"/>
+                      </p:stCondLst>
+                      <p:childTnLst>
+                        <p:par>
+                          <p:cTn id="4" fill="hold">
+                            <p:stCondLst>
+                              <p:cond delay="0"/>
+                            </p:stCondLst>
+                            <p:childTnLst>
+                              <p:par>
+                                <p:cTn id="5" presetID="10" presetClass="entr" presetSubtype="0" fill="hold" grpId="0" nodeType="clickEffect">
+                                  <p:stCondLst>
+                                    <p:cond delay="500"/>
+                                  </p:stCondLst>
+                                  <p:childTnLst>
+                                    <p:set>
+                                      <p:cBhvr>
+                                        <p:cTn id="6" dur="1" fill="hold">
+                                          <p:stCondLst>
+                                            <p:cond delay="0"/>
+                                          </p:stCondLst>
+                                        </p:cTn>
+                                        <p:tgtEl>
+                                          <p:spTgt spid="12"/>
+                                        </p:tgtEl>
+                                        <p:attrNameLst>
+                                          <p:attrName>style.visibility</p:attrName>
+                                        </p:attrNameLst>
+                                      </p:cBhvr>
+                                      <p:to>
+                                        <p:strVal val="visible"/>
+                                      </p:to>
+                                    </p:set>
+                                    <p:animEffect transition="in" filter="fade">
+                                      <p:cBhvr>
+                                        <p:cTn id="7" dur="500"/>
+                                        <p:tgtEl>
+                                          <p:spTgt spid="12"/>
+                                        </p:tgtEl>
+                                      </p:cBhvr>
+                                    </p:animEffect>
+                                  </p:childTnLst>
+                                </p:cTn>
+                              </p:par>
+                            </p:childTnLst>
+                          </p:cTn>
+                        </p:par>
+                      </p:childTnLst>
+                    </p:cTn>
+                  </p:par>
+                </p:childTnLst>
+              </p:cTn>
+              <p:prevCondLst>
+                <p:cond evt="onPrev" delay="0">
+                  <p:tgtEl>
+                    <p:sldTgt/>
+                  </p:tgtEl>
+                </p:cond>
+              </p:prevCondLst>
+              <p:nextCondLst>
+                <p:cond evt="onNext" delay="0">
+                  <p:tgtEl>
+                    <p:sldTgt/>
+                  </p:tgtEl>
+                </p:cond>
+              </p:nextCondLst>
+            </p:seq>
+          </p:childTnLst>
+        </p:cTn>
+      </p:par>
+    </p:tnLst>
+    <p:bldLst>
+      <p:bldP spid="12" grpId="0"/>
+    </p:bldLst>
+  </p:timing>
+</p:sld>
+</file>
+
+<file path=ppt/slides/slide7.xml><?xml version="1.0" encoding="utf-8"?>
+<p:sld xmlns:a="http://schemas.openxmlformats.org/drawingml/2006/main" xmlns:r="http://schemas.openxmlformats.org/officeDocument/2006/relationships" xmlns:p="http://schemas.openxmlformats.org/presentationml/2006/main">
+  <p:cSld>
+    <p:spTree>
+      <p:nvGrpSpPr>
+        <p:cNvPr id="1" name=""/>
+        <p:cNvGrpSpPr/>
+        <p:nvPr/>
+      </p:nvGrpSpPr>
+      <p:grpSpPr>
+        <a:xfrm>
+          <a:off x="0" y="0"/>
+          <a:ext cx="0" cy="0"/>
+          <a:chOff x="0" y="0"/>
+          <a:chExt cx="0" cy="0"/>
+        </a:xfrm>
+      </p:grpSpPr>
+      <p:sp>
+        <p:nvSpPr>
           <p:cNvPr id="2" name="Titre 1">
             <a:extLst>
               <a:ext uri="{FF2B5EF4-FFF2-40B4-BE49-F238E27FC236}">
@@ -10863,7 +12878,7 @@
           <a:p>
             <a:fld id="{E8AA1950-D717-41EC-A99F-157F63DC114A}" type="slidenum">
               <a:rPr lang="fr-FR" smtClean="0"/>
-              <a:t>6</a:t>
+              <a:t>7</a:t>
             </a:fld>
             <a:endParaRPr lang="fr-FR"/>
           </a:p>
@@ -10909,6 +12924,13 @@
   <p:clrMapOvr>
     <a:masterClrMapping/>
   </p:clrMapOvr>
+  <p:timing>
+    <p:tnLst>
+      <p:par>
+        <p:cTn id="1" dur="indefinite" restart="never" nodeType="tmRoot"/>
+      </p:par>
+    </p:tnLst>
+  </p:timing>
 </p:sld>
 </file>
 
